--- a/ExamSystemMigration.pptx
+++ b/ExamSystemMigration.pptx
@@ -73,6 +73,9 @@
     <p:sldId id="318" r:id="rId69"/>
     <p:sldId id="319" r:id="rId70"/>
     <p:sldId id="320" r:id="rId71"/>
+    <p:sldId id="321" r:id="rId72"/>
+    <p:sldId id="322" r:id="rId73"/>
+    <p:sldId id="323" r:id="rId74"/>
   </p:sldIdLst>
   <p:sldSz cy="5143500" cx="9144000"/>
   <p:notesSz cx="6858000" cy="9144000"/>
@@ -6844,6 +6847,303 @@
       <p:sp>
         <p:nvSpPr>
           <p:cNvPr id="443" name="Google Shape;443;g3528459b410_0_340:notes"/>
+          <p:cNvSpPr txBox="1"/>
+          <p:nvPr>
+            <p:ph idx="1" type="body"/>
+          </p:nvPr>
+        </p:nvSpPr>
+        <p:spPr>
+          <a:xfrm>
+            <a:off x="685800" y="4343400"/>
+            <a:ext cx="5486400" cy="4114800"/>
+          </a:xfrm>
+          <a:prstGeom prst="rect">
+            <a:avLst/>
+          </a:prstGeom>
+        </p:spPr>
+        <p:txBody>
+          <a:bodyPr anchorCtr="0" anchor="t" bIns="91425" lIns="91425" spcFirstLastPara="1" rIns="91425" wrap="square" tIns="91425">
+            <a:noAutofit/>
+          </a:bodyPr>
+          <a:lstStyle/>
+          <a:p>
+            <a:pPr indent="0" lvl="0" marL="0" rtl="0" algn="l">
+              <a:spcBef>
+                <a:spcPts val="0"/>
+              </a:spcBef>
+              <a:spcAft>
+                <a:spcPts val="0"/>
+              </a:spcAft>
+              <a:buNone/>
+            </a:pPr>
+            <a:r>
+              <a:t/>
+            </a:r>
+            <a:endParaRPr/>
+          </a:p>
+        </p:txBody>
+      </p:sp>
+    </p:spTree>
+  </p:cSld>
+  <p:clrMapOvr>
+    <a:masterClrMapping/>
+  </p:clrMapOvr>
+</p:notes>
+</file>
+
+<file path=ppt/notesSlides/notesSlide66.xml><?xml version="1.0" encoding="utf-8"?>
+<p:notes xmlns:a="http://schemas.openxmlformats.org/drawingml/2006/main" xmlns:r="http://schemas.openxmlformats.org/officeDocument/2006/relationships" xmlns:mc="http://schemas.openxmlformats.org/markup-compatibility/2006" xmlns:mv="urn:schemas-microsoft-com:mac:vml" xmlns:p="http://schemas.openxmlformats.org/presentationml/2006/main" xmlns:c="http://schemas.openxmlformats.org/drawingml/2006/chart" xmlns:dgm="http://schemas.openxmlformats.org/drawingml/2006/diagram" xmlns:o="urn:schemas-microsoft-com:office:office" xmlns:v="urn:schemas-microsoft-com:vml" xmlns:pvml="urn:schemas-microsoft-com:office:powerpoint" xmlns:com="http://schemas.openxmlformats.org/drawingml/2006/compatibility" xmlns:p14="http://schemas.microsoft.com/office/powerpoint/2010/main" xmlns:p15="http://schemas.microsoft.com/office/powerpoint/2012/main" xmlns:ahyp="http://schemas.microsoft.com/office/drawing/2018/hyperlinkcolor" showMasterPhAnim="0" showMasterSp="0">
+  <p:cSld>
+    <p:spTree>
+      <p:nvGrpSpPr>
+        <p:cNvPr id="447" name="Shape 447"/>
+        <p:cNvGrpSpPr/>
+        <p:nvPr/>
+      </p:nvGrpSpPr>
+      <p:grpSpPr>
+        <a:xfrm>
+          <a:off x="0" y="0"/>
+          <a:ext cx="0" cy="0"/>
+          <a:chOff x="0" y="0"/>
+          <a:chExt cx="0" cy="0"/>
+        </a:xfrm>
+      </p:grpSpPr>
+      <p:sp>
+        <p:nvSpPr>
+          <p:cNvPr id="448" name="Google Shape;448;g3528459b410_0_347:notes"/>
+          <p:cNvSpPr/>
+          <p:nvPr>
+            <p:ph idx="2" type="sldImg"/>
+          </p:nvPr>
+        </p:nvSpPr>
+        <p:spPr>
+          <a:xfrm>
+            <a:off x="381300" y="685800"/>
+            <a:ext cx="6096000" cy="3429000"/>
+          </a:xfrm>
+          <a:custGeom>
+            <a:rect b="b" l="l" r="r" t="t"/>
+            <a:pathLst>
+              <a:path extrusionOk="0" h="120000" w="120000">
+                <a:moveTo>
+                  <a:pt x="0" y="0"/>
+                </a:moveTo>
+                <a:lnTo>
+                  <a:pt x="120000" y="0"/>
+                </a:lnTo>
+                <a:lnTo>
+                  <a:pt x="120000" y="120000"/>
+                </a:lnTo>
+                <a:lnTo>
+                  <a:pt x="0" y="120000"/>
+                </a:lnTo>
+                <a:close/>
+              </a:path>
+            </a:pathLst>
+          </a:custGeom>
+        </p:spPr>
+      </p:sp>
+      <p:sp>
+        <p:nvSpPr>
+          <p:cNvPr id="449" name="Google Shape;449;g3528459b410_0_347:notes"/>
+          <p:cNvSpPr txBox="1"/>
+          <p:nvPr>
+            <p:ph idx="1" type="body"/>
+          </p:nvPr>
+        </p:nvSpPr>
+        <p:spPr>
+          <a:xfrm>
+            <a:off x="685800" y="4343400"/>
+            <a:ext cx="5486400" cy="4114800"/>
+          </a:xfrm>
+          <a:prstGeom prst="rect">
+            <a:avLst/>
+          </a:prstGeom>
+        </p:spPr>
+        <p:txBody>
+          <a:bodyPr anchorCtr="0" anchor="t" bIns="91425" lIns="91425" spcFirstLastPara="1" rIns="91425" wrap="square" tIns="91425">
+            <a:noAutofit/>
+          </a:bodyPr>
+          <a:lstStyle/>
+          <a:p>
+            <a:pPr indent="0" lvl="0" marL="0" rtl="0" algn="l">
+              <a:spcBef>
+                <a:spcPts val="0"/>
+              </a:spcBef>
+              <a:spcAft>
+                <a:spcPts val="0"/>
+              </a:spcAft>
+              <a:buNone/>
+            </a:pPr>
+            <a:r>
+              <a:t/>
+            </a:r>
+            <a:endParaRPr/>
+          </a:p>
+        </p:txBody>
+      </p:sp>
+    </p:spTree>
+  </p:cSld>
+  <p:clrMapOvr>
+    <a:masterClrMapping/>
+  </p:clrMapOvr>
+</p:notes>
+</file>
+
+<file path=ppt/notesSlides/notesSlide67.xml><?xml version="1.0" encoding="utf-8"?>
+<p:notes xmlns:a="http://schemas.openxmlformats.org/drawingml/2006/main" xmlns:r="http://schemas.openxmlformats.org/officeDocument/2006/relationships" xmlns:mc="http://schemas.openxmlformats.org/markup-compatibility/2006" xmlns:mv="urn:schemas-microsoft-com:mac:vml" xmlns:p="http://schemas.openxmlformats.org/presentationml/2006/main" xmlns:c="http://schemas.openxmlformats.org/drawingml/2006/chart" xmlns:dgm="http://schemas.openxmlformats.org/drawingml/2006/diagram" xmlns:o="urn:schemas-microsoft-com:office:office" xmlns:v="urn:schemas-microsoft-com:vml" xmlns:pvml="urn:schemas-microsoft-com:office:powerpoint" xmlns:com="http://schemas.openxmlformats.org/drawingml/2006/compatibility" xmlns:p14="http://schemas.microsoft.com/office/powerpoint/2010/main" xmlns:p15="http://schemas.microsoft.com/office/powerpoint/2012/main" xmlns:ahyp="http://schemas.microsoft.com/office/drawing/2018/hyperlinkcolor" showMasterPhAnim="0" showMasterSp="0">
+  <p:cSld>
+    <p:spTree>
+      <p:nvGrpSpPr>
+        <p:cNvPr id="453" name="Shape 453"/>
+        <p:cNvGrpSpPr/>
+        <p:nvPr/>
+      </p:nvGrpSpPr>
+      <p:grpSpPr>
+        <a:xfrm>
+          <a:off x="0" y="0"/>
+          <a:ext cx="0" cy="0"/>
+          <a:chOff x="0" y="0"/>
+          <a:chExt cx="0" cy="0"/>
+        </a:xfrm>
+      </p:grpSpPr>
+      <p:sp>
+        <p:nvSpPr>
+          <p:cNvPr id="454" name="Google Shape;454;g3528459b410_0_353:notes"/>
+          <p:cNvSpPr/>
+          <p:nvPr>
+            <p:ph idx="2" type="sldImg"/>
+          </p:nvPr>
+        </p:nvSpPr>
+        <p:spPr>
+          <a:xfrm>
+            <a:off x="381300" y="685800"/>
+            <a:ext cx="6096000" cy="3429000"/>
+          </a:xfrm>
+          <a:custGeom>
+            <a:rect b="b" l="l" r="r" t="t"/>
+            <a:pathLst>
+              <a:path extrusionOk="0" h="120000" w="120000">
+                <a:moveTo>
+                  <a:pt x="0" y="0"/>
+                </a:moveTo>
+                <a:lnTo>
+                  <a:pt x="120000" y="0"/>
+                </a:lnTo>
+                <a:lnTo>
+                  <a:pt x="120000" y="120000"/>
+                </a:lnTo>
+                <a:lnTo>
+                  <a:pt x="0" y="120000"/>
+                </a:lnTo>
+                <a:close/>
+              </a:path>
+            </a:pathLst>
+          </a:custGeom>
+        </p:spPr>
+      </p:sp>
+      <p:sp>
+        <p:nvSpPr>
+          <p:cNvPr id="455" name="Google Shape;455;g3528459b410_0_353:notes"/>
+          <p:cNvSpPr txBox="1"/>
+          <p:nvPr>
+            <p:ph idx="1" type="body"/>
+          </p:nvPr>
+        </p:nvSpPr>
+        <p:spPr>
+          <a:xfrm>
+            <a:off x="685800" y="4343400"/>
+            <a:ext cx="5486400" cy="4114800"/>
+          </a:xfrm>
+          <a:prstGeom prst="rect">
+            <a:avLst/>
+          </a:prstGeom>
+        </p:spPr>
+        <p:txBody>
+          <a:bodyPr anchorCtr="0" anchor="t" bIns="91425" lIns="91425" spcFirstLastPara="1" rIns="91425" wrap="square" tIns="91425">
+            <a:noAutofit/>
+          </a:bodyPr>
+          <a:lstStyle/>
+          <a:p>
+            <a:pPr indent="0" lvl="0" marL="0" rtl="0" algn="l">
+              <a:spcBef>
+                <a:spcPts val="0"/>
+              </a:spcBef>
+              <a:spcAft>
+                <a:spcPts val="0"/>
+              </a:spcAft>
+              <a:buNone/>
+            </a:pPr>
+            <a:r>
+              <a:t/>
+            </a:r>
+            <a:endParaRPr/>
+          </a:p>
+        </p:txBody>
+      </p:sp>
+    </p:spTree>
+  </p:cSld>
+  <p:clrMapOvr>
+    <a:masterClrMapping/>
+  </p:clrMapOvr>
+</p:notes>
+</file>
+
+<file path=ppt/notesSlides/notesSlide68.xml><?xml version="1.0" encoding="utf-8"?>
+<p:notes xmlns:a="http://schemas.openxmlformats.org/drawingml/2006/main" xmlns:r="http://schemas.openxmlformats.org/officeDocument/2006/relationships" xmlns:mc="http://schemas.openxmlformats.org/markup-compatibility/2006" xmlns:mv="urn:schemas-microsoft-com:mac:vml" xmlns:p="http://schemas.openxmlformats.org/presentationml/2006/main" xmlns:c="http://schemas.openxmlformats.org/drawingml/2006/chart" xmlns:dgm="http://schemas.openxmlformats.org/drawingml/2006/diagram" xmlns:o="urn:schemas-microsoft-com:office:office" xmlns:v="urn:schemas-microsoft-com:vml" xmlns:pvml="urn:schemas-microsoft-com:office:powerpoint" xmlns:com="http://schemas.openxmlformats.org/drawingml/2006/compatibility" xmlns:p14="http://schemas.microsoft.com/office/powerpoint/2010/main" xmlns:p15="http://schemas.microsoft.com/office/powerpoint/2012/main" xmlns:ahyp="http://schemas.microsoft.com/office/drawing/2018/hyperlinkcolor" showMasterPhAnim="0" showMasterSp="0">
+  <p:cSld>
+    <p:spTree>
+      <p:nvGrpSpPr>
+        <p:cNvPr id="459" name="Shape 459"/>
+        <p:cNvGrpSpPr/>
+        <p:nvPr/>
+      </p:nvGrpSpPr>
+      <p:grpSpPr>
+        <a:xfrm>
+          <a:off x="0" y="0"/>
+          <a:ext cx="0" cy="0"/>
+          <a:chOff x="0" y="0"/>
+          <a:chExt cx="0" cy="0"/>
+        </a:xfrm>
+      </p:grpSpPr>
+      <p:sp>
+        <p:nvSpPr>
+          <p:cNvPr id="460" name="Google Shape;460;g3528459b410_0_359:notes"/>
+          <p:cNvSpPr/>
+          <p:nvPr>
+            <p:ph idx="2" type="sldImg"/>
+          </p:nvPr>
+        </p:nvSpPr>
+        <p:spPr>
+          <a:xfrm>
+            <a:off x="381300" y="685800"/>
+            <a:ext cx="6096000" cy="3429000"/>
+          </a:xfrm>
+          <a:custGeom>
+            <a:rect b="b" l="l" r="r" t="t"/>
+            <a:pathLst>
+              <a:path extrusionOk="0" h="120000" w="120000">
+                <a:moveTo>
+                  <a:pt x="0" y="0"/>
+                </a:moveTo>
+                <a:lnTo>
+                  <a:pt x="120000" y="0"/>
+                </a:lnTo>
+                <a:lnTo>
+                  <a:pt x="120000" y="120000"/>
+                </a:lnTo>
+                <a:lnTo>
+                  <a:pt x="0" y="120000"/>
+                </a:lnTo>
+                <a:close/>
+              </a:path>
+            </a:pathLst>
+          </a:custGeom>
+        </p:spPr>
+      </p:sp>
+      <p:sp>
+        <p:nvSpPr>
+          <p:cNvPr id="461" name="Google Shape;461;g3528459b410_0_359:notes"/>
           <p:cNvSpPr txBox="1"/>
           <p:nvPr>
             <p:ph idx="1" type="body"/>
@@ -12078,7 +12378,7 @@
             <a:tbl>
               <a:tblPr>
                 <a:noFill/>
-                <a:tableStyleId>{19D32813-697D-42D5-ACFD-0DDD1165F286}</a:tableStyleId>
+                <a:tableStyleId>{FDC3F317-AA1E-4E33-91A0-9DE6078A7696}</a:tableStyleId>
               </a:tblPr>
               <a:tblGrid>
                 <a:gridCol w="3893000"/>
@@ -14840,8 +15140,8 @@
         </p:nvSpPr>
         <p:spPr>
           <a:xfrm>
-            <a:off x="311700" y="1152475"/>
-            <a:ext cx="8520600" cy="3416400"/>
+            <a:off x="194575" y="1152475"/>
+            <a:ext cx="8774700" cy="3416400"/>
           </a:xfrm>
           <a:prstGeom prst="rect">
             <a:avLst/>
@@ -14928,7 +15228,7 @@
                 <a:spcPts val="1200"/>
               </a:spcBef>
               <a:spcAft>
-                <a:spcPts val="1200"/>
+                <a:spcPts val="0"/>
               </a:spcAft>
               <a:buNone/>
             </a:pPr>
@@ -14937,8 +15237,28 @@
               <a:t>Github: </a:t>
             </a:r>
             <a:r>
-              <a:rPr lang="en"/>
+              <a:rPr lang="en" u="sng">
+                <a:solidFill>
+                  <a:schemeClr val="hlink"/>
+                </a:solidFill>
+                <a:hlinkClick r:id="rId3"/>
+              </a:rPr>
               <a:t>https://github.com/pfcit/nextgen-exam-system/blob/main/ExamSystemMigration.pptx</a:t>
+            </a:r>
+            <a:endParaRPr/>
+          </a:p>
+          <a:p>
+            <a:pPr indent="0" lvl="0" marL="0" rtl="0" algn="l">
+              <a:spcBef>
+                <a:spcPts val="1200"/>
+              </a:spcBef>
+              <a:spcAft>
+                <a:spcPts val="1200"/>
+              </a:spcAft>
+              <a:buNone/>
+            </a:pPr>
+            <a:r>
+              <a:t/>
             </a:r>
             <a:endParaRPr/>
           </a:p>
@@ -21206,7 +21526,7 @@
             <a:tbl>
               <a:tblPr>
                 <a:noFill/>
-                <a:tableStyleId>{19D32813-697D-42D5-ACFD-0DDD1165F286}</a:tableStyleId>
+                <a:tableStyleId>{FDC3F317-AA1E-4E33-91A0-9DE6078A7696}</a:tableStyleId>
               </a:tblPr>
               <a:tblGrid>
                 <a:gridCol w="2364775"/>
@@ -21702,7 +22022,7 @@
             <a:tbl>
               <a:tblPr>
                 <a:noFill/>
-                <a:tableStyleId>{19D32813-697D-42D5-ACFD-0DDD1165F286}</a:tableStyleId>
+                <a:tableStyleId>{FDC3F317-AA1E-4E33-91A0-9DE6078A7696}</a:tableStyleId>
               </a:tblPr>
               <a:tblGrid>
                 <a:gridCol w="2203600"/>
@@ -22552,7 +22872,7 @@
             <a:tbl>
               <a:tblPr>
                 <a:noFill/>
-                <a:tableStyleId>{19D32813-697D-42D5-ACFD-0DDD1165F286}</a:tableStyleId>
+                <a:tableStyleId>{FDC3F317-AA1E-4E33-91A0-9DE6078A7696}</a:tableStyleId>
               </a:tblPr>
               <a:tblGrid>
                 <a:gridCol w="1943525"/>
@@ -23521,7 +23841,7 @@
             <a:tbl>
               <a:tblPr>
                 <a:noFill/>
-                <a:tableStyleId>{19D32813-697D-42D5-ACFD-0DDD1165F286}</a:tableStyleId>
+                <a:tableStyleId>{FDC3F317-AA1E-4E33-91A0-9DE6078A7696}</a:tableStyleId>
               </a:tblPr>
               <a:tblGrid>
                 <a:gridCol w="1905725"/>
@@ -31415,6 +31735,1154 @@
 </p:sld>
 </file>
 
+<file path=ppt/slides/slide66.xml><?xml version="1.0" encoding="utf-8"?>
+<p:sld xmlns:a="http://schemas.openxmlformats.org/drawingml/2006/main" xmlns:r="http://schemas.openxmlformats.org/officeDocument/2006/relationships" xmlns:mc="http://schemas.openxmlformats.org/markup-compatibility/2006" xmlns:mv="urn:schemas-microsoft-com:mac:vml" xmlns:p="http://schemas.openxmlformats.org/presentationml/2006/main" xmlns:c="http://schemas.openxmlformats.org/drawingml/2006/chart" xmlns:dgm="http://schemas.openxmlformats.org/drawingml/2006/diagram" xmlns:o="urn:schemas-microsoft-com:office:office" xmlns:v="urn:schemas-microsoft-com:vml" xmlns:pvml="urn:schemas-microsoft-com:office:powerpoint" xmlns:com="http://schemas.openxmlformats.org/drawingml/2006/compatibility" xmlns:p14="http://schemas.microsoft.com/office/powerpoint/2010/main" xmlns:p15="http://schemas.microsoft.com/office/powerpoint/2012/main" xmlns:ahyp="http://schemas.microsoft.com/office/drawing/2018/hyperlinkcolor">
+  <p:cSld>
+    <p:spTree>
+      <p:nvGrpSpPr>
+        <p:cNvPr id="450" name="Shape 450"/>
+        <p:cNvGrpSpPr/>
+        <p:nvPr/>
+      </p:nvGrpSpPr>
+      <p:grpSpPr>
+        <a:xfrm>
+          <a:off x="0" y="0"/>
+          <a:ext cx="0" cy="0"/>
+          <a:chOff x="0" y="0"/>
+          <a:chExt cx="0" cy="0"/>
+        </a:xfrm>
+      </p:grpSpPr>
+      <p:sp>
+        <p:nvSpPr>
+          <p:cNvPr id="451" name="Google Shape;451;p78"/>
+          <p:cNvSpPr txBox="1"/>
+          <p:nvPr>
+            <p:ph type="title"/>
+          </p:nvPr>
+        </p:nvSpPr>
+        <p:spPr>
+          <a:xfrm>
+            <a:off x="311700" y="445025"/>
+            <a:ext cx="8520600" cy="572700"/>
+          </a:xfrm>
+          <a:prstGeom prst="rect">
+            <a:avLst/>
+          </a:prstGeom>
+        </p:spPr>
+        <p:txBody>
+          <a:bodyPr anchorCtr="0" anchor="t" bIns="91425" lIns="91425" spcFirstLastPara="1" rIns="91425" wrap="square" tIns="91425">
+            <a:normAutofit fontScale="90000"/>
+          </a:bodyPr>
+          <a:lstStyle/>
+          <a:p>
+            <a:pPr indent="0" lvl="0" marL="0" rtl="0" algn="l">
+              <a:spcBef>
+                <a:spcPts val="0"/>
+              </a:spcBef>
+              <a:spcAft>
+                <a:spcPts val="0"/>
+              </a:spcAft>
+              <a:buNone/>
+            </a:pPr>
+            <a:r>
+              <a:rPr lang="en"/>
+              <a:t>DB Analysis Tools</a:t>
+            </a:r>
+            <a:endParaRPr/>
+          </a:p>
+        </p:txBody>
+      </p:sp>
+      <p:sp>
+        <p:nvSpPr>
+          <p:cNvPr id="452" name="Google Shape;452;p78"/>
+          <p:cNvSpPr txBox="1"/>
+          <p:nvPr>
+            <p:ph idx="1" type="body"/>
+          </p:nvPr>
+        </p:nvSpPr>
+        <p:spPr>
+          <a:xfrm>
+            <a:off x="311700" y="1152475"/>
+            <a:ext cx="8520600" cy="3590400"/>
+          </a:xfrm>
+          <a:prstGeom prst="rect">
+            <a:avLst/>
+          </a:prstGeom>
+        </p:spPr>
+        <p:txBody>
+          <a:bodyPr anchorCtr="0" anchor="t" bIns="91425" lIns="91425" spcFirstLastPara="1" rIns="91425" wrap="square" tIns="91425">
+            <a:normAutofit fontScale="47500" lnSpcReduction="10000"/>
+          </a:bodyPr>
+          <a:lstStyle/>
+          <a:p>
+            <a:pPr indent="0" lvl="0" marL="0" rtl="0" algn="l">
+              <a:spcBef>
+                <a:spcPts val="0"/>
+              </a:spcBef>
+              <a:spcAft>
+                <a:spcPts val="0"/>
+              </a:spcAft>
+              <a:buClr>
+                <a:schemeClr val="dk1"/>
+              </a:buClr>
+              <a:buSzPct val="61111"/>
+              <a:buFont typeface="Arial"/>
+              <a:buNone/>
+            </a:pPr>
+            <a:r>
+              <a:rPr b="1" lang="en"/>
+              <a:t>SchemaSpy</a:t>
+            </a:r>
+            <a:endParaRPr b="1"/>
+          </a:p>
+          <a:p>
+            <a:pPr indent="0" lvl="0" marL="0" rtl="0" algn="l">
+              <a:spcBef>
+                <a:spcPts val="1200"/>
+              </a:spcBef>
+              <a:spcAft>
+                <a:spcPts val="0"/>
+              </a:spcAft>
+              <a:buClr>
+                <a:schemeClr val="dk1"/>
+              </a:buClr>
+              <a:buSzPct val="61111"/>
+              <a:buFont typeface="Arial"/>
+              <a:buNone/>
+            </a:pPr>
+            <a:r>
+              <a:rPr b="1" lang="en"/>
+              <a:t>What it does:</a:t>
+            </a:r>
+            <a:endParaRPr b="1"/>
+          </a:p>
+          <a:p>
+            <a:pPr indent="0" lvl="0" marL="0" rtl="0" algn="l">
+              <a:spcBef>
+                <a:spcPts val="1200"/>
+              </a:spcBef>
+              <a:spcAft>
+                <a:spcPts val="0"/>
+              </a:spcAft>
+              <a:buClr>
+                <a:schemeClr val="dk1"/>
+              </a:buClr>
+              <a:buSzPct val="61111"/>
+              <a:buFont typeface="Arial"/>
+              <a:buNone/>
+            </a:pPr>
+            <a:r>
+              <a:rPr lang="en"/>
+              <a:t>SchemaSpy is a tool that generates interactive visual documentation of a database's schema. It creates detailed reports with diagrams of tables, views, indexes, and relationships (like foreign keys) from a database.</a:t>
+            </a:r>
+            <a:endParaRPr/>
+          </a:p>
+          <a:p>
+            <a:pPr indent="0" lvl="0" marL="0" rtl="0" algn="l">
+              <a:spcBef>
+                <a:spcPts val="1200"/>
+              </a:spcBef>
+              <a:spcAft>
+                <a:spcPts val="0"/>
+              </a:spcAft>
+              <a:buClr>
+                <a:schemeClr val="dk1"/>
+              </a:buClr>
+              <a:buSzPct val="61111"/>
+              <a:buFont typeface="Arial"/>
+              <a:buNone/>
+            </a:pPr>
+            <a:r>
+              <a:rPr b="1" lang="en"/>
+              <a:t>How it works:</a:t>
+            </a:r>
+            <a:endParaRPr b="1"/>
+          </a:p>
+          <a:p>
+            <a:pPr indent="-282892" lvl="0" marL="457200" rtl="0" algn="l">
+              <a:spcBef>
+                <a:spcPts val="1200"/>
+              </a:spcBef>
+              <a:spcAft>
+                <a:spcPts val="0"/>
+              </a:spcAft>
+              <a:buSzPct val="100000"/>
+              <a:buChar char="●"/>
+            </a:pPr>
+            <a:r>
+              <a:rPr lang="en"/>
+              <a:t>SchemaSpy connects to a relational database using JDBC (Java Database Connectivity).</a:t>
+            </a:r>
+            <a:endParaRPr/>
+          </a:p>
+          <a:p>
+            <a:pPr indent="-282892" lvl="0" marL="457200" rtl="0" algn="l">
+              <a:spcBef>
+                <a:spcPts val="0"/>
+              </a:spcBef>
+              <a:spcAft>
+                <a:spcPts val="0"/>
+              </a:spcAft>
+              <a:buSzPct val="100000"/>
+              <a:buChar char="●"/>
+            </a:pPr>
+            <a:r>
+              <a:rPr lang="en"/>
+              <a:t>It inspects the schema by querying system tables and metadata to gather details on tables, columns, foreign keys, indexes, and relationships.</a:t>
+            </a:r>
+            <a:endParaRPr/>
+          </a:p>
+          <a:p>
+            <a:pPr indent="-282892" lvl="0" marL="457200" rtl="0" algn="l">
+              <a:spcBef>
+                <a:spcPts val="0"/>
+              </a:spcBef>
+              <a:spcAft>
+                <a:spcPts val="0"/>
+              </a:spcAft>
+              <a:buSzPct val="100000"/>
+              <a:buChar char="●"/>
+            </a:pPr>
+            <a:r>
+              <a:rPr lang="en"/>
+              <a:t>It then generates an HTML-based report that contains both textual and graphical representations of the database schema, including ER diagrams.</a:t>
+            </a:r>
+            <a:endParaRPr/>
+          </a:p>
+          <a:p>
+            <a:pPr indent="0" lvl="0" marL="0" rtl="0" algn="l">
+              <a:spcBef>
+                <a:spcPts val="1200"/>
+              </a:spcBef>
+              <a:spcAft>
+                <a:spcPts val="0"/>
+              </a:spcAft>
+              <a:buClr>
+                <a:schemeClr val="dk1"/>
+              </a:buClr>
+              <a:buSzPct val="61111"/>
+              <a:buFont typeface="Arial"/>
+              <a:buNone/>
+            </a:pPr>
+            <a:r>
+              <a:rPr b="1" lang="en"/>
+              <a:t>Features:</a:t>
+            </a:r>
+            <a:endParaRPr b="1"/>
+          </a:p>
+          <a:p>
+            <a:pPr indent="-282892" lvl="0" marL="457200" rtl="0" algn="l">
+              <a:spcBef>
+                <a:spcPts val="1200"/>
+              </a:spcBef>
+              <a:spcAft>
+                <a:spcPts val="0"/>
+              </a:spcAft>
+              <a:buSzPct val="100000"/>
+              <a:buChar char="●"/>
+            </a:pPr>
+            <a:r>
+              <a:rPr lang="en"/>
+              <a:t>Supports many database types (MySQL, PostgreSQL, Oracle, SQL Server, etc.).</a:t>
+            </a:r>
+            <a:endParaRPr/>
+          </a:p>
+          <a:p>
+            <a:pPr indent="-282892" lvl="0" marL="457200" rtl="0" algn="l">
+              <a:spcBef>
+                <a:spcPts val="0"/>
+              </a:spcBef>
+              <a:spcAft>
+                <a:spcPts val="0"/>
+              </a:spcAft>
+              <a:buSzPct val="100000"/>
+              <a:buChar char="●"/>
+            </a:pPr>
+            <a:r>
+              <a:rPr lang="en"/>
+              <a:t>Provides clickable, navigable ER diagrams that show tables and their relationships.</a:t>
+            </a:r>
+            <a:endParaRPr/>
+          </a:p>
+          <a:p>
+            <a:pPr indent="-282892" lvl="0" marL="457200" rtl="0" algn="l">
+              <a:spcBef>
+                <a:spcPts val="0"/>
+              </a:spcBef>
+              <a:spcAft>
+                <a:spcPts val="0"/>
+              </a:spcAft>
+              <a:buSzPct val="100000"/>
+              <a:buChar char="●"/>
+            </a:pPr>
+            <a:r>
+              <a:rPr lang="en"/>
+              <a:t>Generates detailed documentation (including column types, constraints, and indexes).</a:t>
+            </a:r>
+            <a:endParaRPr/>
+          </a:p>
+          <a:p>
+            <a:pPr indent="-282892" lvl="0" marL="457200" rtl="0" algn="l">
+              <a:spcBef>
+                <a:spcPts val="0"/>
+              </a:spcBef>
+              <a:spcAft>
+                <a:spcPts val="0"/>
+              </a:spcAft>
+              <a:buSzPct val="100000"/>
+              <a:buChar char="●"/>
+            </a:pPr>
+            <a:r>
+              <a:rPr lang="en"/>
+              <a:t>Does not require any database changes to use (only requires read access</a:t>
+            </a:r>
+            <a:endParaRPr/>
+          </a:p>
+          <a:p>
+            <a:pPr indent="0" lvl="0" marL="0" rtl="0" algn="l">
+              <a:spcBef>
+                <a:spcPts val="1200"/>
+              </a:spcBef>
+              <a:spcAft>
+                <a:spcPts val="0"/>
+              </a:spcAft>
+              <a:buClr>
+                <a:schemeClr val="dk1"/>
+              </a:buClr>
+              <a:buSzPct val="61111"/>
+              <a:buFont typeface="Arial"/>
+              <a:buNone/>
+            </a:pPr>
+            <a:r>
+              <a:rPr b="1" lang="en"/>
+              <a:t>Best for:</a:t>
+            </a:r>
+            <a:endParaRPr b="1"/>
+          </a:p>
+          <a:p>
+            <a:pPr indent="-282892" lvl="0" marL="457200" rtl="0" algn="l">
+              <a:spcBef>
+                <a:spcPts val="1200"/>
+              </a:spcBef>
+              <a:spcAft>
+                <a:spcPts val="0"/>
+              </a:spcAft>
+              <a:buSzPct val="100000"/>
+              <a:buChar char="●"/>
+            </a:pPr>
+            <a:r>
+              <a:rPr lang="en"/>
+              <a:t>Visualizing and documenting large, complex databases.</a:t>
+            </a:r>
+            <a:endParaRPr/>
+          </a:p>
+          <a:p>
+            <a:pPr indent="-282892" lvl="0" marL="457200" rtl="0" algn="l">
+              <a:spcBef>
+                <a:spcPts val="0"/>
+              </a:spcBef>
+              <a:spcAft>
+                <a:spcPts val="0"/>
+              </a:spcAft>
+              <a:buSzPct val="100000"/>
+              <a:buChar char="●"/>
+            </a:pPr>
+            <a:r>
+              <a:rPr lang="en"/>
+              <a:t>Creating interactive HTML documentation for database schema.</a:t>
+            </a:r>
+            <a:endParaRPr/>
+          </a:p>
+        </p:txBody>
+      </p:sp>
+    </p:spTree>
+  </p:cSld>
+  <p:clrMapOvr>
+    <a:masterClrMapping/>
+  </p:clrMapOvr>
+</p:sld>
+</file>
+
+<file path=ppt/slides/slide67.xml><?xml version="1.0" encoding="utf-8"?>
+<p:sld xmlns:a="http://schemas.openxmlformats.org/drawingml/2006/main" xmlns:r="http://schemas.openxmlformats.org/officeDocument/2006/relationships" xmlns:mc="http://schemas.openxmlformats.org/markup-compatibility/2006" xmlns:mv="urn:schemas-microsoft-com:mac:vml" xmlns:p="http://schemas.openxmlformats.org/presentationml/2006/main" xmlns:c="http://schemas.openxmlformats.org/drawingml/2006/chart" xmlns:dgm="http://schemas.openxmlformats.org/drawingml/2006/diagram" xmlns:o="urn:schemas-microsoft-com:office:office" xmlns:v="urn:schemas-microsoft-com:vml" xmlns:pvml="urn:schemas-microsoft-com:office:powerpoint" xmlns:com="http://schemas.openxmlformats.org/drawingml/2006/compatibility" xmlns:p14="http://schemas.microsoft.com/office/powerpoint/2010/main" xmlns:p15="http://schemas.microsoft.com/office/powerpoint/2012/main" xmlns:ahyp="http://schemas.microsoft.com/office/drawing/2018/hyperlinkcolor">
+  <p:cSld>
+    <p:spTree>
+      <p:nvGrpSpPr>
+        <p:cNvPr id="456" name="Shape 456"/>
+        <p:cNvGrpSpPr/>
+        <p:nvPr/>
+      </p:nvGrpSpPr>
+      <p:grpSpPr>
+        <a:xfrm>
+          <a:off x="0" y="0"/>
+          <a:ext cx="0" cy="0"/>
+          <a:chOff x="0" y="0"/>
+          <a:chExt cx="0" cy="0"/>
+        </a:xfrm>
+      </p:grpSpPr>
+      <p:sp>
+        <p:nvSpPr>
+          <p:cNvPr id="457" name="Google Shape;457;p79"/>
+          <p:cNvSpPr txBox="1"/>
+          <p:nvPr>
+            <p:ph type="title"/>
+          </p:nvPr>
+        </p:nvSpPr>
+        <p:spPr>
+          <a:xfrm>
+            <a:off x="311700" y="445025"/>
+            <a:ext cx="8520600" cy="572700"/>
+          </a:xfrm>
+          <a:prstGeom prst="rect">
+            <a:avLst/>
+          </a:prstGeom>
+        </p:spPr>
+        <p:txBody>
+          <a:bodyPr anchorCtr="0" anchor="t" bIns="91425" lIns="91425" spcFirstLastPara="1" rIns="91425" wrap="square" tIns="91425">
+            <a:normAutofit fontScale="90000"/>
+          </a:bodyPr>
+          <a:lstStyle/>
+          <a:p>
+            <a:pPr indent="0" lvl="0" marL="0" rtl="0" algn="l">
+              <a:spcBef>
+                <a:spcPts val="0"/>
+              </a:spcBef>
+              <a:spcAft>
+                <a:spcPts val="0"/>
+              </a:spcAft>
+              <a:buClr>
+                <a:schemeClr val="dk1"/>
+              </a:buClr>
+              <a:buSzPct val="39285"/>
+              <a:buFont typeface="Arial"/>
+              <a:buNone/>
+            </a:pPr>
+            <a:r>
+              <a:rPr lang="en"/>
+              <a:t>DB Analysis Tools</a:t>
+            </a:r>
+            <a:endParaRPr/>
+          </a:p>
+        </p:txBody>
+      </p:sp>
+      <p:sp>
+        <p:nvSpPr>
+          <p:cNvPr id="458" name="Google Shape;458;p79"/>
+          <p:cNvSpPr txBox="1"/>
+          <p:nvPr>
+            <p:ph idx="1" type="body"/>
+          </p:nvPr>
+        </p:nvSpPr>
+        <p:spPr>
+          <a:xfrm>
+            <a:off x="311700" y="1152475"/>
+            <a:ext cx="8520600" cy="3580800"/>
+          </a:xfrm>
+          <a:prstGeom prst="rect">
+            <a:avLst/>
+          </a:prstGeom>
+        </p:spPr>
+        <p:txBody>
+          <a:bodyPr anchorCtr="0" anchor="t" bIns="91425" lIns="91425" spcFirstLastPara="1" rIns="91425" wrap="square" tIns="91425">
+            <a:normAutofit fontScale="47500" lnSpcReduction="20000"/>
+          </a:bodyPr>
+          <a:lstStyle/>
+          <a:p>
+            <a:pPr indent="0" lvl="0" marL="0" rtl="0" algn="l">
+              <a:spcBef>
+                <a:spcPts val="0"/>
+              </a:spcBef>
+              <a:spcAft>
+                <a:spcPts val="0"/>
+              </a:spcAft>
+              <a:buClr>
+                <a:schemeClr val="dk1"/>
+              </a:buClr>
+              <a:buSzPct val="61111"/>
+              <a:buFont typeface="Arial"/>
+              <a:buNone/>
+            </a:pPr>
+            <a:r>
+              <a:rPr b="1" lang="en"/>
+              <a:t>Jailer</a:t>
+            </a:r>
+            <a:endParaRPr b="1"/>
+          </a:p>
+          <a:p>
+            <a:pPr indent="0" lvl="0" marL="0" rtl="0" algn="l">
+              <a:spcBef>
+                <a:spcPts val="1200"/>
+              </a:spcBef>
+              <a:spcAft>
+                <a:spcPts val="0"/>
+              </a:spcAft>
+              <a:buClr>
+                <a:schemeClr val="dk1"/>
+              </a:buClr>
+              <a:buSzPct val="61111"/>
+              <a:buFont typeface="Arial"/>
+              <a:buNone/>
+            </a:pPr>
+            <a:r>
+              <a:rPr b="1" lang="en"/>
+              <a:t>What it does:</a:t>
+            </a:r>
+            <a:endParaRPr b="1"/>
+          </a:p>
+          <a:p>
+            <a:pPr indent="0" lvl="0" marL="0" rtl="0" algn="l">
+              <a:spcBef>
+                <a:spcPts val="1200"/>
+              </a:spcBef>
+              <a:spcAft>
+                <a:spcPts val="0"/>
+              </a:spcAft>
+              <a:buClr>
+                <a:schemeClr val="dk1"/>
+              </a:buClr>
+              <a:buSzPct val="61111"/>
+              <a:buFont typeface="Arial"/>
+              <a:buNone/>
+            </a:pPr>
+            <a:r>
+              <a:rPr lang="en"/>
+              <a:t>Jailer is primarily a database export and migration tool that also provides data browsing, schema visualization, and reverse engineering features. It focuses on managing large databases and exporting portions of them based on specific rules, while also supporting the extraction of schema relationships.</a:t>
+            </a:r>
+            <a:endParaRPr/>
+          </a:p>
+          <a:p>
+            <a:pPr indent="0" lvl="0" marL="0" rtl="0" algn="l">
+              <a:spcBef>
+                <a:spcPts val="1200"/>
+              </a:spcBef>
+              <a:spcAft>
+                <a:spcPts val="0"/>
+              </a:spcAft>
+              <a:buClr>
+                <a:schemeClr val="dk1"/>
+              </a:buClr>
+              <a:buSzPct val="61111"/>
+              <a:buFont typeface="Arial"/>
+              <a:buNone/>
+            </a:pPr>
+            <a:r>
+              <a:rPr b="1" lang="en"/>
+              <a:t>How it works:</a:t>
+            </a:r>
+            <a:endParaRPr b="1"/>
+          </a:p>
+          <a:p>
+            <a:pPr indent="-282892" lvl="0" marL="457200" rtl="0" algn="l">
+              <a:spcBef>
+                <a:spcPts val="1200"/>
+              </a:spcBef>
+              <a:spcAft>
+                <a:spcPts val="0"/>
+              </a:spcAft>
+              <a:buSzPct val="100000"/>
+              <a:buChar char="●"/>
+            </a:pPr>
+            <a:r>
+              <a:rPr lang="en"/>
+              <a:t>Jailer connects to the database and allows for browsing tables, schemas, and relationships.</a:t>
+            </a:r>
+            <a:endParaRPr/>
+          </a:p>
+          <a:p>
+            <a:pPr indent="-282892" lvl="0" marL="457200" rtl="0" algn="l">
+              <a:spcBef>
+                <a:spcPts val="0"/>
+              </a:spcBef>
+              <a:spcAft>
+                <a:spcPts val="0"/>
+              </a:spcAft>
+              <a:buSzPct val="100000"/>
+              <a:buChar char="●"/>
+            </a:pPr>
+            <a:r>
+              <a:rPr lang="en"/>
+              <a:t>It can generate ER diagrams and export database subsets into CSV, SQL, or other formats for analysis.</a:t>
+            </a:r>
+            <a:endParaRPr/>
+          </a:p>
+          <a:p>
+            <a:pPr indent="-282892" lvl="0" marL="457200" rtl="0" algn="l">
+              <a:spcBef>
+                <a:spcPts val="0"/>
+              </a:spcBef>
+              <a:spcAft>
+                <a:spcPts val="0"/>
+              </a:spcAft>
+              <a:buSzPct val="100000"/>
+              <a:buChar char="●"/>
+            </a:pPr>
+            <a:r>
+              <a:rPr lang="en"/>
+              <a:t>Jailer also has features to extract related data from the database (for example, exporting data along with its foreign key relationships).</a:t>
+            </a:r>
+            <a:endParaRPr/>
+          </a:p>
+          <a:p>
+            <a:pPr indent="0" lvl="0" marL="0" rtl="0" algn="l">
+              <a:spcBef>
+                <a:spcPts val="1200"/>
+              </a:spcBef>
+              <a:spcAft>
+                <a:spcPts val="0"/>
+              </a:spcAft>
+              <a:buClr>
+                <a:schemeClr val="dk1"/>
+              </a:buClr>
+              <a:buSzPct val="61111"/>
+              <a:buFont typeface="Arial"/>
+              <a:buNone/>
+            </a:pPr>
+            <a:r>
+              <a:rPr b="1" lang="en"/>
+              <a:t>Features:</a:t>
+            </a:r>
+            <a:endParaRPr b="1"/>
+          </a:p>
+          <a:p>
+            <a:pPr indent="-282892" lvl="0" marL="457200" rtl="0" algn="l">
+              <a:spcBef>
+                <a:spcPts val="1200"/>
+              </a:spcBef>
+              <a:spcAft>
+                <a:spcPts val="0"/>
+              </a:spcAft>
+              <a:buSzPct val="100000"/>
+              <a:buChar char="●"/>
+            </a:pPr>
+            <a:r>
+              <a:rPr lang="en"/>
+              <a:t>Allows for exporting large datasets efficiently.</a:t>
+            </a:r>
+            <a:endParaRPr/>
+          </a:p>
+          <a:p>
+            <a:pPr indent="-282892" lvl="0" marL="457200" rtl="0" algn="l">
+              <a:spcBef>
+                <a:spcPts val="0"/>
+              </a:spcBef>
+              <a:spcAft>
+                <a:spcPts val="0"/>
+              </a:spcAft>
+              <a:buSzPct val="100000"/>
+              <a:buChar char="●"/>
+            </a:pPr>
+            <a:r>
+              <a:rPr lang="en"/>
+              <a:t>Supports advanced filtering and extraction (e.g., exporting related records for certain tables).</a:t>
+            </a:r>
+            <a:endParaRPr/>
+          </a:p>
+          <a:p>
+            <a:pPr indent="-282892" lvl="0" marL="457200" rtl="0" algn="l">
+              <a:spcBef>
+                <a:spcPts val="0"/>
+              </a:spcBef>
+              <a:spcAft>
+                <a:spcPts val="0"/>
+              </a:spcAft>
+              <a:buSzPct val="100000"/>
+              <a:buChar char="●"/>
+            </a:pPr>
+            <a:r>
+              <a:rPr lang="en"/>
+              <a:t>Visualizes relationships and supports ER diagrams.</a:t>
+            </a:r>
+            <a:endParaRPr/>
+          </a:p>
+          <a:p>
+            <a:pPr indent="-282892" lvl="0" marL="457200" rtl="0" algn="l">
+              <a:spcBef>
+                <a:spcPts val="0"/>
+              </a:spcBef>
+              <a:spcAft>
+                <a:spcPts val="0"/>
+              </a:spcAft>
+              <a:buSzPct val="100000"/>
+              <a:buChar char="●"/>
+            </a:pPr>
+            <a:r>
+              <a:rPr lang="en"/>
+              <a:t>Provides a lightweight Java-based interface for data exploration.</a:t>
+            </a:r>
+            <a:endParaRPr/>
+          </a:p>
+          <a:p>
+            <a:pPr indent="-282892" lvl="0" marL="457200" rtl="0" algn="l">
+              <a:spcBef>
+                <a:spcPts val="0"/>
+              </a:spcBef>
+              <a:spcAft>
+                <a:spcPts val="0"/>
+              </a:spcAft>
+              <a:buSzPct val="100000"/>
+              <a:buChar char="●"/>
+            </a:pPr>
+            <a:r>
+              <a:rPr lang="en"/>
+              <a:t>Can integrate with other database management tools for migration.</a:t>
+            </a:r>
+            <a:endParaRPr/>
+          </a:p>
+          <a:p>
+            <a:pPr indent="0" lvl="0" marL="0" rtl="0" algn="l">
+              <a:spcBef>
+                <a:spcPts val="1200"/>
+              </a:spcBef>
+              <a:spcAft>
+                <a:spcPts val="0"/>
+              </a:spcAft>
+              <a:buClr>
+                <a:schemeClr val="dk1"/>
+              </a:buClr>
+              <a:buSzPct val="61111"/>
+              <a:buFont typeface="Arial"/>
+              <a:buNone/>
+            </a:pPr>
+            <a:r>
+              <a:rPr b="1" lang="en"/>
+              <a:t>Best for:</a:t>
+            </a:r>
+            <a:endParaRPr b="1"/>
+          </a:p>
+          <a:p>
+            <a:pPr indent="-282892" lvl="0" marL="457200" rtl="0" algn="l">
+              <a:spcBef>
+                <a:spcPts val="1200"/>
+              </a:spcBef>
+              <a:spcAft>
+                <a:spcPts val="0"/>
+              </a:spcAft>
+              <a:buSzPct val="100000"/>
+              <a:buChar char="●"/>
+            </a:pPr>
+            <a:r>
+              <a:rPr lang="en"/>
+              <a:t>Extracting data and visualizing relationships when working with large datasets.</a:t>
+            </a:r>
+            <a:endParaRPr/>
+          </a:p>
+          <a:p>
+            <a:pPr indent="-282892" lvl="0" marL="457200" rtl="0" algn="l">
+              <a:spcBef>
+                <a:spcPts val="0"/>
+              </a:spcBef>
+              <a:spcAft>
+                <a:spcPts val="0"/>
+              </a:spcAft>
+              <a:buSzPct val="100000"/>
+              <a:buChar char="●"/>
+            </a:pPr>
+            <a:r>
+              <a:rPr lang="en"/>
+              <a:t>Exporting specific data subsets with foreign key relations for testing, analysis, or migration.</a:t>
+            </a:r>
+            <a:endParaRPr/>
+          </a:p>
+        </p:txBody>
+      </p:sp>
+    </p:spTree>
+  </p:cSld>
+  <p:clrMapOvr>
+    <a:masterClrMapping/>
+  </p:clrMapOvr>
+</p:sld>
+</file>
+
+<file path=ppt/slides/slide68.xml><?xml version="1.0" encoding="utf-8"?>
+<p:sld xmlns:a="http://schemas.openxmlformats.org/drawingml/2006/main" xmlns:r="http://schemas.openxmlformats.org/officeDocument/2006/relationships" xmlns:mc="http://schemas.openxmlformats.org/markup-compatibility/2006" xmlns:mv="urn:schemas-microsoft-com:mac:vml" xmlns:p="http://schemas.openxmlformats.org/presentationml/2006/main" xmlns:c="http://schemas.openxmlformats.org/drawingml/2006/chart" xmlns:dgm="http://schemas.openxmlformats.org/drawingml/2006/diagram" xmlns:o="urn:schemas-microsoft-com:office:office" xmlns:v="urn:schemas-microsoft-com:vml" xmlns:pvml="urn:schemas-microsoft-com:office:powerpoint" xmlns:com="http://schemas.openxmlformats.org/drawingml/2006/compatibility" xmlns:p14="http://schemas.microsoft.com/office/powerpoint/2010/main" xmlns:p15="http://schemas.microsoft.com/office/powerpoint/2012/main" xmlns:ahyp="http://schemas.microsoft.com/office/drawing/2018/hyperlinkcolor">
+  <p:cSld>
+    <p:spTree>
+      <p:nvGrpSpPr>
+        <p:cNvPr id="462" name="Shape 462"/>
+        <p:cNvGrpSpPr/>
+        <p:nvPr/>
+      </p:nvGrpSpPr>
+      <p:grpSpPr>
+        <a:xfrm>
+          <a:off x="0" y="0"/>
+          <a:ext cx="0" cy="0"/>
+          <a:chOff x="0" y="0"/>
+          <a:chExt cx="0" cy="0"/>
+        </a:xfrm>
+      </p:grpSpPr>
+      <p:sp>
+        <p:nvSpPr>
+          <p:cNvPr id="463" name="Google Shape;463;p80"/>
+          <p:cNvSpPr txBox="1"/>
+          <p:nvPr>
+            <p:ph type="title"/>
+          </p:nvPr>
+        </p:nvSpPr>
+        <p:spPr>
+          <a:xfrm>
+            <a:off x="311700" y="445025"/>
+            <a:ext cx="8520600" cy="572700"/>
+          </a:xfrm>
+          <a:prstGeom prst="rect">
+            <a:avLst/>
+          </a:prstGeom>
+        </p:spPr>
+        <p:txBody>
+          <a:bodyPr anchorCtr="0" anchor="t" bIns="91425" lIns="91425" spcFirstLastPara="1" rIns="91425" wrap="square" tIns="91425">
+            <a:normAutofit fontScale="90000"/>
+          </a:bodyPr>
+          <a:lstStyle/>
+          <a:p>
+            <a:pPr indent="0" lvl="0" marL="0" rtl="0" algn="l">
+              <a:spcBef>
+                <a:spcPts val="0"/>
+              </a:spcBef>
+              <a:spcAft>
+                <a:spcPts val="0"/>
+              </a:spcAft>
+              <a:buClr>
+                <a:schemeClr val="dk1"/>
+              </a:buClr>
+              <a:buSzPct val="39285"/>
+              <a:buFont typeface="Arial"/>
+              <a:buNone/>
+            </a:pPr>
+            <a:r>
+              <a:rPr lang="en"/>
+              <a:t>DB Analysis Tools</a:t>
+            </a:r>
+            <a:endParaRPr/>
+          </a:p>
+        </p:txBody>
+      </p:sp>
+      <p:sp>
+        <p:nvSpPr>
+          <p:cNvPr id="464" name="Google Shape;464;p80"/>
+          <p:cNvSpPr txBox="1"/>
+          <p:nvPr>
+            <p:ph idx="1" type="body"/>
+          </p:nvPr>
+        </p:nvSpPr>
+        <p:spPr>
+          <a:xfrm>
+            <a:off x="311700" y="1152475"/>
+            <a:ext cx="8520600" cy="3619200"/>
+          </a:xfrm>
+          <a:prstGeom prst="rect">
+            <a:avLst/>
+          </a:prstGeom>
+        </p:spPr>
+        <p:txBody>
+          <a:bodyPr anchorCtr="0" anchor="t" bIns="91425" lIns="91425" spcFirstLastPara="1" rIns="91425" wrap="square" tIns="91425">
+            <a:normAutofit fontScale="47500" lnSpcReduction="20000"/>
+          </a:bodyPr>
+          <a:lstStyle/>
+          <a:p>
+            <a:pPr indent="0" lvl="0" marL="0" rtl="0" algn="l">
+              <a:spcBef>
+                <a:spcPts val="0"/>
+              </a:spcBef>
+              <a:spcAft>
+                <a:spcPts val="0"/>
+              </a:spcAft>
+              <a:buClr>
+                <a:schemeClr val="dk1"/>
+              </a:buClr>
+              <a:buSzPct val="61111"/>
+              <a:buFont typeface="Arial"/>
+              <a:buNone/>
+            </a:pPr>
+            <a:r>
+              <a:rPr b="1" lang="en"/>
+              <a:t>ERAlchemy</a:t>
+            </a:r>
+            <a:endParaRPr b="1"/>
+          </a:p>
+          <a:p>
+            <a:pPr indent="0" lvl="0" marL="0" rtl="0" algn="l">
+              <a:spcBef>
+                <a:spcPts val="1200"/>
+              </a:spcBef>
+              <a:spcAft>
+                <a:spcPts val="0"/>
+              </a:spcAft>
+              <a:buClr>
+                <a:schemeClr val="dk1"/>
+              </a:buClr>
+              <a:buSzPct val="61111"/>
+              <a:buFont typeface="Arial"/>
+              <a:buNone/>
+            </a:pPr>
+            <a:r>
+              <a:rPr b="1" lang="en"/>
+              <a:t>What it does:</a:t>
+            </a:r>
+            <a:endParaRPr b="1"/>
+          </a:p>
+          <a:p>
+            <a:pPr indent="0" lvl="0" marL="0" rtl="0" algn="l">
+              <a:spcBef>
+                <a:spcPts val="1200"/>
+              </a:spcBef>
+              <a:spcAft>
+                <a:spcPts val="0"/>
+              </a:spcAft>
+              <a:buClr>
+                <a:schemeClr val="dk1"/>
+              </a:buClr>
+              <a:buSzPct val="61111"/>
+              <a:buFont typeface="Arial"/>
+              <a:buNone/>
+            </a:pPr>
+            <a:r>
+              <a:rPr lang="en"/>
+              <a:t>ERAlchemy generates Entity-Relationship (ER) diagrams from existing databases. Unlike the others, it is mainly focused on generating ER diagrams in a clean, simple way using minimal configuration.</a:t>
+            </a:r>
+            <a:endParaRPr/>
+          </a:p>
+          <a:p>
+            <a:pPr indent="0" lvl="0" marL="0" rtl="0" algn="l">
+              <a:spcBef>
+                <a:spcPts val="1200"/>
+              </a:spcBef>
+              <a:spcAft>
+                <a:spcPts val="0"/>
+              </a:spcAft>
+              <a:buClr>
+                <a:schemeClr val="dk1"/>
+              </a:buClr>
+              <a:buSzPct val="61111"/>
+              <a:buFont typeface="Arial"/>
+              <a:buNone/>
+            </a:pPr>
+            <a:r>
+              <a:rPr b="1" lang="en"/>
+              <a:t>How it works:</a:t>
+            </a:r>
+            <a:endParaRPr b="1"/>
+          </a:p>
+          <a:p>
+            <a:pPr indent="-282892" lvl="0" marL="457200" rtl="0" algn="l">
+              <a:spcBef>
+                <a:spcPts val="1200"/>
+              </a:spcBef>
+              <a:spcAft>
+                <a:spcPts val="0"/>
+              </a:spcAft>
+              <a:buSzPct val="100000"/>
+              <a:buChar char="●"/>
+            </a:pPr>
+            <a:r>
+              <a:rPr lang="en"/>
+              <a:t>ERAlchemy connects to a relational database via SQLAlchemy (for databases supported by SQLAlchemy).</a:t>
+            </a:r>
+            <a:endParaRPr/>
+          </a:p>
+          <a:p>
+            <a:pPr indent="-282892" lvl="0" marL="457200" rtl="0" algn="l">
+              <a:spcBef>
+                <a:spcPts val="0"/>
+              </a:spcBef>
+              <a:spcAft>
+                <a:spcPts val="0"/>
+              </a:spcAft>
+              <a:buSzPct val="100000"/>
+              <a:buChar char="●"/>
+            </a:pPr>
+            <a:r>
+              <a:rPr lang="en"/>
+              <a:t>It uses SQLAlchemy models to introspect and extract the schema information.</a:t>
+            </a:r>
+            <a:endParaRPr/>
+          </a:p>
+          <a:p>
+            <a:pPr indent="-282892" lvl="0" marL="457200" rtl="0" algn="l">
+              <a:spcBef>
+                <a:spcPts val="0"/>
+              </a:spcBef>
+              <a:spcAft>
+                <a:spcPts val="0"/>
+              </a:spcAft>
+              <a:buSzPct val="100000"/>
+              <a:buChar char="●"/>
+            </a:pPr>
+            <a:r>
+              <a:rPr lang="en"/>
+              <a:t>It then generates ER diagrams in formats like PNG, PDF, or DOT (Graphviz), which can be visualized using graphing tools.</a:t>
+            </a:r>
+            <a:endParaRPr/>
+          </a:p>
+          <a:p>
+            <a:pPr indent="0" lvl="0" marL="0" rtl="0" algn="l">
+              <a:spcBef>
+                <a:spcPts val="1200"/>
+              </a:spcBef>
+              <a:spcAft>
+                <a:spcPts val="0"/>
+              </a:spcAft>
+              <a:buClr>
+                <a:schemeClr val="dk1"/>
+              </a:buClr>
+              <a:buSzPct val="61111"/>
+              <a:buFont typeface="Arial"/>
+              <a:buNone/>
+            </a:pPr>
+            <a:r>
+              <a:rPr lang="en"/>
+              <a:t>Features:</a:t>
+            </a:r>
+            <a:endParaRPr/>
+          </a:p>
+          <a:p>
+            <a:pPr indent="-282892" lvl="0" marL="457200" rtl="0" algn="l">
+              <a:spcBef>
+                <a:spcPts val="1200"/>
+              </a:spcBef>
+              <a:spcAft>
+                <a:spcPts val="0"/>
+              </a:spcAft>
+              <a:buSzPct val="100000"/>
+              <a:buChar char="●"/>
+            </a:pPr>
+            <a:r>
+              <a:rPr lang="en"/>
+              <a:t>Generates simple, readable ER diagrams.</a:t>
+            </a:r>
+            <a:endParaRPr/>
+          </a:p>
+          <a:p>
+            <a:pPr indent="-282892" lvl="0" marL="457200" rtl="0" algn="l">
+              <a:spcBef>
+                <a:spcPts val="0"/>
+              </a:spcBef>
+              <a:spcAft>
+                <a:spcPts val="0"/>
+              </a:spcAft>
+              <a:buSzPct val="100000"/>
+              <a:buChar char="●"/>
+            </a:pPr>
+            <a:r>
+              <a:rPr lang="en"/>
+              <a:t>Works primarily with databases supported by SQLAlchemy (e.g., PostgreSQL, MySQL, SQLite, etc.).</a:t>
+            </a:r>
+            <a:endParaRPr/>
+          </a:p>
+          <a:p>
+            <a:pPr indent="-282892" lvl="0" marL="457200" rtl="0" algn="l">
+              <a:spcBef>
+                <a:spcPts val="0"/>
+              </a:spcBef>
+              <a:spcAft>
+                <a:spcPts val="0"/>
+              </a:spcAft>
+              <a:buSzPct val="100000"/>
+              <a:buChar char="●"/>
+            </a:pPr>
+            <a:r>
+              <a:rPr lang="en"/>
+              <a:t>Supports reverse engineering from an existing database schema.</a:t>
+            </a:r>
+            <a:endParaRPr/>
+          </a:p>
+          <a:p>
+            <a:pPr indent="-282892" lvl="0" marL="457200" rtl="0" algn="l">
+              <a:spcBef>
+                <a:spcPts val="0"/>
+              </a:spcBef>
+              <a:spcAft>
+                <a:spcPts val="0"/>
+              </a:spcAft>
+              <a:buSzPct val="100000"/>
+              <a:buChar char="●"/>
+            </a:pPr>
+            <a:r>
+              <a:rPr lang="en"/>
+              <a:t>Supports exporting to multiple formats (e.g., PNG, PDF, Graphviz's DOT format).</a:t>
+            </a:r>
+            <a:endParaRPr/>
+          </a:p>
+          <a:p>
+            <a:pPr indent="-282892" lvl="0" marL="457200" rtl="0" algn="l">
+              <a:spcBef>
+                <a:spcPts val="0"/>
+              </a:spcBef>
+              <a:spcAft>
+                <a:spcPts val="0"/>
+              </a:spcAft>
+              <a:buSzPct val="100000"/>
+              <a:buChar char="●"/>
+            </a:pPr>
+            <a:r>
+              <a:rPr lang="en"/>
+              <a:t>Can work directly with a database URI to generate diagrams.</a:t>
+            </a:r>
+            <a:endParaRPr/>
+          </a:p>
+          <a:p>
+            <a:pPr indent="0" lvl="0" marL="0" rtl="0" algn="l">
+              <a:spcBef>
+                <a:spcPts val="1200"/>
+              </a:spcBef>
+              <a:spcAft>
+                <a:spcPts val="0"/>
+              </a:spcAft>
+              <a:buClr>
+                <a:schemeClr val="dk1"/>
+              </a:buClr>
+              <a:buSzPct val="61111"/>
+              <a:buFont typeface="Arial"/>
+              <a:buNone/>
+            </a:pPr>
+            <a:r>
+              <a:rPr lang="en"/>
+              <a:t>Best for:</a:t>
+            </a:r>
+            <a:endParaRPr/>
+          </a:p>
+          <a:p>
+            <a:pPr indent="-282892" lvl="0" marL="457200" rtl="0" algn="l">
+              <a:spcBef>
+                <a:spcPts val="1200"/>
+              </a:spcBef>
+              <a:spcAft>
+                <a:spcPts val="0"/>
+              </a:spcAft>
+              <a:buSzPct val="100000"/>
+              <a:buChar char="●"/>
+            </a:pPr>
+            <a:r>
+              <a:rPr lang="en"/>
+              <a:t>Quickly generating simple ER diagrams from a database schema.</a:t>
+            </a:r>
+            <a:endParaRPr/>
+          </a:p>
+          <a:p>
+            <a:pPr indent="-282892" lvl="0" marL="457200" rtl="0" algn="l">
+              <a:spcBef>
+                <a:spcPts val="0"/>
+              </a:spcBef>
+              <a:spcAft>
+                <a:spcPts val="0"/>
+              </a:spcAft>
+              <a:buSzPct val="100000"/>
+              <a:buChar char="●"/>
+            </a:pPr>
+            <a:r>
+              <a:rPr lang="en"/>
+              <a:t>When you need a lightweight, easy-to-use tool for visualizing relationships without complex configurations.</a:t>
+            </a:r>
+            <a:endParaRPr/>
+          </a:p>
+        </p:txBody>
+      </p:sp>
+    </p:spTree>
+  </p:cSld>
+  <p:clrMapOvr>
+    <a:masterClrMapping/>
+  </p:clrMapOvr>
+</p:sld>
+</file>
+
 <file path=ppt/slides/slide7.xml><?xml version="1.0" encoding="utf-8"?>
 <p:sld xmlns:a="http://schemas.openxmlformats.org/drawingml/2006/main" xmlns:r="http://schemas.openxmlformats.org/officeDocument/2006/relationships" xmlns:mc="http://schemas.openxmlformats.org/markup-compatibility/2006" xmlns:mv="urn:schemas-microsoft-com:mac:vml" xmlns:p="http://schemas.openxmlformats.org/presentationml/2006/main" xmlns:c="http://schemas.openxmlformats.org/drawingml/2006/chart" xmlns:dgm="http://schemas.openxmlformats.org/drawingml/2006/diagram" xmlns:o="urn:schemas-microsoft-com:office:office" xmlns:v="urn:schemas-microsoft-com:vml" xmlns:pvml="urn:schemas-microsoft-com:office:powerpoint" xmlns:com="http://schemas.openxmlformats.org/drawingml/2006/compatibility" xmlns:p14="http://schemas.microsoft.com/office/powerpoint/2010/main" xmlns:p15="http://schemas.microsoft.com/office/powerpoint/2012/main" xmlns:ahyp="http://schemas.microsoft.com/office/drawing/2018/hyperlinkcolor">
   <p:cSld>
@@ -31981,7 +33449,7 @@
             <a:tbl>
               <a:tblPr>
                 <a:noFill/>
-                <a:tableStyleId>{19D32813-697D-42D5-ACFD-0DDD1165F286}</a:tableStyleId>
+                <a:tableStyleId>{FDC3F317-AA1E-4E33-91A0-9DE6078A7696}</a:tableStyleId>
               </a:tblPr>
               <a:tblGrid>
                 <a:gridCol w="3619500"/>
@@ -32480,6 +33948,285 @@
 </file>
 
 <file path=ppt/theme/theme1.xml><?xml version="1.0" encoding="utf-8"?>
+<a:theme xmlns:a="http://schemas.openxmlformats.org/drawingml/2006/main" xmlns:r="http://schemas.openxmlformats.org/officeDocument/2006/relationships" name="Simple Light">
+  <a:themeElements>
+    <a:clrScheme name="Simple Light">
+      <a:dk1>
+        <a:srgbClr val="000000"/>
+      </a:dk1>
+      <a:lt1>
+        <a:srgbClr val="FFFFFF"/>
+      </a:lt1>
+      <a:dk2>
+        <a:srgbClr val="595959"/>
+      </a:dk2>
+      <a:lt2>
+        <a:srgbClr val="EEEEEE"/>
+      </a:lt2>
+      <a:accent1>
+        <a:srgbClr val="4285F4"/>
+      </a:accent1>
+      <a:accent2>
+        <a:srgbClr val="212121"/>
+      </a:accent2>
+      <a:accent3>
+        <a:srgbClr val="78909C"/>
+      </a:accent3>
+      <a:accent4>
+        <a:srgbClr val="FFAB40"/>
+      </a:accent4>
+      <a:accent5>
+        <a:srgbClr val="0097A7"/>
+      </a:accent5>
+      <a:accent6>
+        <a:srgbClr val="EEFF41"/>
+      </a:accent6>
+      <a:hlink>
+        <a:srgbClr val="0097A7"/>
+      </a:hlink>
+      <a:folHlink>
+        <a:srgbClr val="0097A7"/>
+      </a:folHlink>
+    </a:clrScheme>
+    <a:fontScheme name="Office">
+      <a:majorFont>
+        <a:latin typeface="Arial"/>
+        <a:ea typeface=""/>
+        <a:cs typeface=""/>
+        <a:font script="Jpan" typeface="ＭＳ Ｐゴシック"/>
+        <a:font script="Hang" typeface="맑은 고딕"/>
+        <a:font script="Hans" typeface="宋体"/>
+        <a:font script="Hant" typeface="新細明體"/>
+        <a:font script="Arab" typeface="Times New Roman"/>
+        <a:font script="Hebr" typeface="Times New Roman"/>
+        <a:font script="Thai" typeface="Angsana New"/>
+        <a:font script="Ethi" typeface="Nyala"/>
+        <a:font script="Beng" typeface="Vrinda"/>
+        <a:font script="Gujr" typeface="Shruti"/>
+        <a:font script="Khmr" typeface="MoolBoran"/>
+        <a:font script="Knda" typeface="Tunga"/>
+        <a:font script="Guru" typeface="Raavi"/>
+        <a:font script="Cans" typeface="Euphemia"/>
+        <a:font script="Cher" typeface="Plantagenet Cherokee"/>
+        <a:font script="Yiii" typeface="Microsoft Yi Baiti"/>
+        <a:font script="Tibt" typeface="Microsoft Himalaya"/>
+        <a:font script="Thaa" typeface="MV Boli"/>
+        <a:font script="Deva" typeface="Mangal"/>
+        <a:font script="Telu" typeface="Gautami"/>
+        <a:font script="Taml" typeface="Latha"/>
+        <a:font script="Syrc" typeface="Estrangelo Edessa"/>
+        <a:font script="Orya" typeface="Kalinga"/>
+        <a:font script="Mlym" typeface="Kartika"/>
+        <a:font script="Laoo" typeface="DokChampa"/>
+        <a:font script="Sinh" typeface="Iskoola Pota"/>
+        <a:font script="Mong" typeface="Mongolian Baiti"/>
+        <a:font script="Viet" typeface="Times New Roman"/>
+        <a:font script="Uigh" typeface="Microsoft Uighur"/>
+        <a:font script="Geor" typeface="Sylfaen"/>
+      </a:majorFont>
+      <a:minorFont>
+        <a:latin typeface="Arial"/>
+        <a:ea typeface=""/>
+        <a:cs typeface=""/>
+        <a:font script="Jpan" typeface="ＭＳ Ｐゴシック"/>
+        <a:font script="Hang" typeface="맑은 고딕"/>
+        <a:font script="Hans" typeface="宋体"/>
+        <a:font script="Hant" typeface="新細明體"/>
+        <a:font script="Arab" typeface="Arial"/>
+        <a:font script="Hebr" typeface="Arial"/>
+        <a:font script="Thai" typeface="Cordia New"/>
+        <a:font script="Ethi" typeface="Nyala"/>
+        <a:font script="Beng" typeface="Vrinda"/>
+        <a:font script="Gujr" typeface="Shruti"/>
+        <a:font script="Khmr" typeface="DaunPenh"/>
+        <a:font script="Knda" typeface="Tunga"/>
+        <a:font script="Guru" typeface="Raavi"/>
+        <a:font script="Cans" typeface="Euphemia"/>
+        <a:font script="Cher" typeface="Plantagenet Cherokee"/>
+        <a:font script="Yiii" typeface="Microsoft Yi Baiti"/>
+        <a:font script="Tibt" typeface="Microsoft Himalaya"/>
+        <a:font script="Thaa" typeface="MV Boli"/>
+        <a:font script="Deva" typeface="Mangal"/>
+        <a:font script="Telu" typeface="Gautami"/>
+        <a:font script="Taml" typeface="Latha"/>
+        <a:font script="Syrc" typeface="Estrangelo Edessa"/>
+        <a:font script="Orya" typeface="Kalinga"/>
+        <a:font script="Mlym" typeface="Kartika"/>
+        <a:font script="Laoo" typeface="DokChampa"/>
+        <a:font script="Sinh" typeface="Iskoola Pota"/>
+        <a:font script="Mong" typeface="Mongolian Baiti"/>
+        <a:font script="Viet" typeface="Arial"/>
+        <a:font script="Uigh" typeface="Microsoft Uighur"/>
+        <a:font script="Geor" typeface="Sylfaen"/>
+      </a:minorFont>
+    </a:fontScheme>
+    <a:fmtScheme name="Office">
+      <a:fillStyleLst>
+        <a:solidFill>
+          <a:schemeClr val="phClr"/>
+        </a:solidFill>
+        <a:gradFill rotWithShape="1">
+          <a:gsLst>
+            <a:gs pos="0">
+              <a:schemeClr val="phClr">
+                <a:tint val="50000"/>
+                <a:satMod val="300000"/>
+              </a:schemeClr>
+            </a:gs>
+            <a:gs pos="35000">
+              <a:schemeClr val="phClr">
+                <a:tint val="37000"/>
+                <a:satMod val="300000"/>
+              </a:schemeClr>
+            </a:gs>
+            <a:gs pos="100000">
+              <a:schemeClr val="phClr">
+                <a:tint val="15000"/>
+                <a:satMod val="350000"/>
+              </a:schemeClr>
+            </a:gs>
+          </a:gsLst>
+          <a:lin ang="16200000" scaled="1"/>
+        </a:gradFill>
+        <a:gradFill rotWithShape="1">
+          <a:gsLst>
+            <a:gs pos="0">
+              <a:schemeClr val="phClr">
+                <a:tint val="100000"/>
+                <a:shade val="100000"/>
+                <a:satMod val="130000"/>
+              </a:schemeClr>
+            </a:gs>
+            <a:gs pos="100000">
+              <a:schemeClr val="phClr">
+                <a:tint val="50000"/>
+                <a:shade val="100000"/>
+                <a:satMod val="350000"/>
+              </a:schemeClr>
+            </a:gs>
+          </a:gsLst>
+          <a:lin ang="16200000" scaled="0"/>
+        </a:gradFill>
+      </a:fillStyleLst>
+      <a:lnStyleLst>
+        <a:ln w="9525" cap="flat" cmpd="sng" algn="ctr">
+          <a:solidFill>
+            <a:schemeClr val="phClr">
+              <a:shade val="95000"/>
+              <a:satMod val="105000"/>
+            </a:schemeClr>
+          </a:solidFill>
+          <a:prstDash val="solid"/>
+        </a:ln>
+        <a:ln w="25400" cap="flat" cmpd="sng" algn="ctr">
+          <a:solidFill>
+            <a:schemeClr val="phClr"/>
+          </a:solidFill>
+          <a:prstDash val="solid"/>
+        </a:ln>
+        <a:ln w="38100" cap="flat" cmpd="sng" algn="ctr">
+          <a:solidFill>
+            <a:schemeClr val="phClr"/>
+          </a:solidFill>
+          <a:prstDash val="solid"/>
+        </a:ln>
+      </a:lnStyleLst>
+      <a:effectStyleLst>
+        <a:effectStyle>
+          <a:effectLst>
+            <a:outerShdw blurRad="40000" dist="20000" dir="5400000" rotWithShape="0">
+              <a:srgbClr val="000000">
+                <a:alpha val="38000"/>
+              </a:srgbClr>
+            </a:outerShdw>
+          </a:effectLst>
+        </a:effectStyle>
+        <a:effectStyle>
+          <a:effectLst>
+            <a:outerShdw blurRad="40000" dist="23000" dir="5400000" rotWithShape="0">
+              <a:srgbClr val="000000">
+                <a:alpha val="35000"/>
+              </a:srgbClr>
+            </a:outerShdw>
+          </a:effectLst>
+        </a:effectStyle>
+        <a:effectStyle>
+          <a:effectLst>
+            <a:outerShdw blurRad="40000" dist="23000" dir="5400000" rotWithShape="0">
+              <a:srgbClr val="000000">
+                <a:alpha val="35000"/>
+              </a:srgbClr>
+            </a:outerShdw>
+          </a:effectLst>
+          <a:scene3d>
+            <a:camera prst="orthographicFront">
+              <a:rot lat="0" lon="0" rev="0"/>
+            </a:camera>
+            <a:lightRig rig="threePt" dir="t">
+              <a:rot lat="0" lon="0" rev="1200000"/>
+            </a:lightRig>
+          </a:scene3d>
+          <a:sp3d>
+            <a:bevelT w="63500" h="25400"/>
+          </a:sp3d>
+        </a:effectStyle>
+      </a:effectStyleLst>
+      <a:bgFillStyleLst>
+        <a:solidFill>
+          <a:schemeClr val="phClr"/>
+        </a:solidFill>
+        <a:gradFill rotWithShape="1">
+          <a:gsLst>
+            <a:gs pos="0">
+              <a:schemeClr val="phClr">
+                <a:tint val="40000"/>
+                <a:satMod val="350000"/>
+              </a:schemeClr>
+            </a:gs>
+            <a:gs pos="40000">
+              <a:schemeClr val="phClr">
+                <a:tint val="45000"/>
+                <a:shade val="99000"/>
+                <a:satMod val="350000"/>
+              </a:schemeClr>
+            </a:gs>
+            <a:gs pos="100000">
+              <a:schemeClr val="phClr">
+                <a:shade val="20000"/>
+                <a:satMod val="255000"/>
+              </a:schemeClr>
+            </a:gs>
+          </a:gsLst>
+          <a:path path="circle">
+            <a:fillToRect l="50000" t="-80000" r="50000" b="180000"/>
+          </a:path>
+        </a:gradFill>
+        <a:gradFill rotWithShape="1">
+          <a:gsLst>
+            <a:gs pos="0">
+              <a:schemeClr val="phClr">
+                <a:tint val="80000"/>
+                <a:satMod val="300000"/>
+              </a:schemeClr>
+            </a:gs>
+            <a:gs pos="100000">
+              <a:schemeClr val="phClr">
+                <a:shade val="30000"/>
+                <a:satMod val="200000"/>
+              </a:schemeClr>
+            </a:gs>
+          </a:gsLst>
+          <a:path path="circle">
+            <a:fillToRect l="50000" t="50000" r="50000" b="50000"/>
+          </a:path>
+        </a:gradFill>
+      </a:bgFillStyleLst>
+    </a:fmtScheme>
+  </a:themeElements>
+</a:theme>
+</file>
+
+<file path=ppt/theme/theme2.xml><?xml version="1.0" encoding="utf-8"?>
 <a:theme xmlns:a="http://schemas.openxmlformats.org/drawingml/2006/main" xmlns:r="http://schemas.openxmlformats.org/officeDocument/2006/relationships">
   <a:themeElements>
     <a:clrScheme name="Default">
@@ -32756,283 +34503,4 @@
     </a:fmtScheme>
   </a:themeElements>
 </a:theme>
-</file>
-
-<file path=ppt/theme/theme2.xml><?xml version="1.0" encoding="utf-8"?>
-<a:theme xmlns:a="http://schemas.openxmlformats.org/drawingml/2006/main" xmlns:r="http://schemas.openxmlformats.org/officeDocument/2006/relationships" name="Simple Light">
-  <a:themeElements>
-    <a:clrScheme name="Simple Light">
-      <a:dk1>
-        <a:srgbClr val="000000"/>
-      </a:dk1>
-      <a:lt1>
-        <a:srgbClr val="FFFFFF"/>
-      </a:lt1>
-      <a:dk2>
-        <a:srgbClr val="595959"/>
-      </a:dk2>
-      <a:lt2>
-        <a:srgbClr val="EEEEEE"/>
-      </a:lt2>
-      <a:accent1>
-        <a:srgbClr val="4285F4"/>
-      </a:accent1>
-      <a:accent2>
-        <a:srgbClr val="212121"/>
-      </a:accent2>
-      <a:accent3>
-        <a:srgbClr val="78909C"/>
-      </a:accent3>
-      <a:accent4>
-        <a:srgbClr val="FFAB40"/>
-      </a:accent4>
-      <a:accent5>
-        <a:srgbClr val="0097A7"/>
-      </a:accent5>
-      <a:accent6>
-        <a:srgbClr val="EEFF41"/>
-      </a:accent6>
-      <a:hlink>
-        <a:srgbClr val="0097A7"/>
-      </a:hlink>
-      <a:folHlink>
-        <a:srgbClr val="0097A7"/>
-      </a:folHlink>
-    </a:clrScheme>
-    <a:fontScheme name="Office">
-      <a:majorFont>
-        <a:latin typeface="Arial"/>
-        <a:ea typeface=""/>
-        <a:cs typeface=""/>
-        <a:font script="Jpan" typeface="ＭＳ Ｐゴシック"/>
-        <a:font script="Hang" typeface="맑은 고딕"/>
-        <a:font script="Hans" typeface="宋体"/>
-        <a:font script="Hant" typeface="新細明體"/>
-        <a:font script="Arab" typeface="Times New Roman"/>
-        <a:font script="Hebr" typeface="Times New Roman"/>
-        <a:font script="Thai" typeface="Angsana New"/>
-        <a:font script="Ethi" typeface="Nyala"/>
-        <a:font script="Beng" typeface="Vrinda"/>
-        <a:font script="Gujr" typeface="Shruti"/>
-        <a:font script="Khmr" typeface="MoolBoran"/>
-        <a:font script="Knda" typeface="Tunga"/>
-        <a:font script="Guru" typeface="Raavi"/>
-        <a:font script="Cans" typeface="Euphemia"/>
-        <a:font script="Cher" typeface="Plantagenet Cherokee"/>
-        <a:font script="Yiii" typeface="Microsoft Yi Baiti"/>
-        <a:font script="Tibt" typeface="Microsoft Himalaya"/>
-        <a:font script="Thaa" typeface="MV Boli"/>
-        <a:font script="Deva" typeface="Mangal"/>
-        <a:font script="Telu" typeface="Gautami"/>
-        <a:font script="Taml" typeface="Latha"/>
-        <a:font script="Syrc" typeface="Estrangelo Edessa"/>
-        <a:font script="Orya" typeface="Kalinga"/>
-        <a:font script="Mlym" typeface="Kartika"/>
-        <a:font script="Laoo" typeface="DokChampa"/>
-        <a:font script="Sinh" typeface="Iskoola Pota"/>
-        <a:font script="Mong" typeface="Mongolian Baiti"/>
-        <a:font script="Viet" typeface="Times New Roman"/>
-        <a:font script="Uigh" typeface="Microsoft Uighur"/>
-        <a:font script="Geor" typeface="Sylfaen"/>
-      </a:majorFont>
-      <a:minorFont>
-        <a:latin typeface="Arial"/>
-        <a:ea typeface=""/>
-        <a:cs typeface=""/>
-        <a:font script="Jpan" typeface="ＭＳ Ｐゴシック"/>
-        <a:font script="Hang" typeface="맑은 고딕"/>
-        <a:font script="Hans" typeface="宋体"/>
-        <a:font script="Hant" typeface="新細明體"/>
-        <a:font script="Arab" typeface="Arial"/>
-        <a:font script="Hebr" typeface="Arial"/>
-        <a:font script="Thai" typeface="Cordia New"/>
-        <a:font script="Ethi" typeface="Nyala"/>
-        <a:font script="Beng" typeface="Vrinda"/>
-        <a:font script="Gujr" typeface="Shruti"/>
-        <a:font script="Khmr" typeface="DaunPenh"/>
-        <a:font script="Knda" typeface="Tunga"/>
-        <a:font script="Guru" typeface="Raavi"/>
-        <a:font script="Cans" typeface="Euphemia"/>
-        <a:font script="Cher" typeface="Plantagenet Cherokee"/>
-        <a:font script="Yiii" typeface="Microsoft Yi Baiti"/>
-        <a:font script="Tibt" typeface="Microsoft Himalaya"/>
-        <a:font script="Thaa" typeface="MV Boli"/>
-        <a:font script="Deva" typeface="Mangal"/>
-        <a:font script="Telu" typeface="Gautami"/>
-        <a:font script="Taml" typeface="Latha"/>
-        <a:font script="Syrc" typeface="Estrangelo Edessa"/>
-        <a:font script="Orya" typeface="Kalinga"/>
-        <a:font script="Mlym" typeface="Kartika"/>
-        <a:font script="Laoo" typeface="DokChampa"/>
-        <a:font script="Sinh" typeface="Iskoola Pota"/>
-        <a:font script="Mong" typeface="Mongolian Baiti"/>
-        <a:font script="Viet" typeface="Arial"/>
-        <a:font script="Uigh" typeface="Microsoft Uighur"/>
-        <a:font script="Geor" typeface="Sylfaen"/>
-      </a:minorFont>
-    </a:fontScheme>
-    <a:fmtScheme name="Office">
-      <a:fillStyleLst>
-        <a:solidFill>
-          <a:schemeClr val="phClr"/>
-        </a:solidFill>
-        <a:gradFill rotWithShape="1">
-          <a:gsLst>
-            <a:gs pos="0">
-              <a:schemeClr val="phClr">
-                <a:tint val="50000"/>
-                <a:satMod val="300000"/>
-              </a:schemeClr>
-            </a:gs>
-            <a:gs pos="35000">
-              <a:schemeClr val="phClr">
-                <a:tint val="37000"/>
-                <a:satMod val="300000"/>
-              </a:schemeClr>
-            </a:gs>
-            <a:gs pos="100000">
-              <a:schemeClr val="phClr">
-                <a:tint val="15000"/>
-                <a:satMod val="350000"/>
-              </a:schemeClr>
-            </a:gs>
-          </a:gsLst>
-          <a:lin ang="16200000" scaled="1"/>
-        </a:gradFill>
-        <a:gradFill rotWithShape="1">
-          <a:gsLst>
-            <a:gs pos="0">
-              <a:schemeClr val="phClr">
-                <a:tint val="100000"/>
-                <a:shade val="100000"/>
-                <a:satMod val="130000"/>
-              </a:schemeClr>
-            </a:gs>
-            <a:gs pos="100000">
-              <a:schemeClr val="phClr">
-                <a:tint val="50000"/>
-                <a:shade val="100000"/>
-                <a:satMod val="350000"/>
-              </a:schemeClr>
-            </a:gs>
-          </a:gsLst>
-          <a:lin ang="16200000" scaled="0"/>
-        </a:gradFill>
-      </a:fillStyleLst>
-      <a:lnStyleLst>
-        <a:ln w="9525" cap="flat" cmpd="sng" algn="ctr">
-          <a:solidFill>
-            <a:schemeClr val="phClr">
-              <a:shade val="95000"/>
-              <a:satMod val="105000"/>
-            </a:schemeClr>
-          </a:solidFill>
-          <a:prstDash val="solid"/>
-        </a:ln>
-        <a:ln w="25400" cap="flat" cmpd="sng" algn="ctr">
-          <a:solidFill>
-            <a:schemeClr val="phClr"/>
-          </a:solidFill>
-          <a:prstDash val="solid"/>
-        </a:ln>
-        <a:ln w="38100" cap="flat" cmpd="sng" algn="ctr">
-          <a:solidFill>
-            <a:schemeClr val="phClr"/>
-          </a:solidFill>
-          <a:prstDash val="solid"/>
-        </a:ln>
-      </a:lnStyleLst>
-      <a:effectStyleLst>
-        <a:effectStyle>
-          <a:effectLst>
-            <a:outerShdw blurRad="40000" dist="20000" dir="5400000" rotWithShape="0">
-              <a:srgbClr val="000000">
-                <a:alpha val="38000"/>
-              </a:srgbClr>
-            </a:outerShdw>
-          </a:effectLst>
-        </a:effectStyle>
-        <a:effectStyle>
-          <a:effectLst>
-            <a:outerShdw blurRad="40000" dist="23000" dir="5400000" rotWithShape="0">
-              <a:srgbClr val="000000">
-                <a:alpha val="35000"/>
-              </a:srgbClr>
-            </a:outerShdw>
-          </a:effectLst>
-        </a:effectStyle>
-        <a:effectStyle>
-          <a:effectLst>
-            <a:outerShdw blurRad="40000" dist="23000" dir="5400000" rotWithShape="0">
-              <a:srgbClr val="000000">
-                <a:alpha val="35000"/>
-              </a:srgbClr>
-            </a:outerShdw>
-          </a:effectLst>
-          <a:scene3d>
-            <a:camera prst="orthographicFront">
-              <a:rot lat="0" lon="0" rev="0"/>
-            </a:camera>
-            <a:lightRig rig="threePt" dir="t">
-              <a:rot lat="0" lon="0" rev="1200000"/>
-            </a:lightRig>
-          </a:scene3d>
-          <a:sp3d>
-            <a:bevelT w="63500" h="25400"/>
-          </a:sp3d>
-        </a:effectStyle>
-      </a:effectStyleLst>
-      <a:bgFillStyleLst>
-        <a:solidFill>
-          <a:schemeClr val="phClr"/>
-        </a:solidFill>
-        <a:gradFill rotWithShape="1">
-          <a:gsLst>
-            <a:gs pos="0">
-              <a:schemeClr val="phClr">
-                <a:tint val="40000"/>
-                <a:satMod val="350000"/>
-              </a:schemeClr>
-            </a:gs>
-            <a:gs pos="40000">
-              <a:schemeClr val="phClr">
-                <a:tint val="45000"/>
-                <a:shade val="99000"/>
-                <a:satMod val="350000"/>
-              </a:schemeClr>
-            </a:gs>
-            <a:gs pos="100000">
-              <a:schemeClr val="phClr">
-                <a:shade val="20000"/>
-                <a:satMod val="255000"/>
-              </a:schemeClr>
-            </a:gs>
-          </a:gsLst>
-          <a:path path="circle">
-            <a:fillToRect l="50000" t="-80000" r="50000" b="180000"/>
-          </a:path>
-        </a:gradFill>
-        <a:gradFill rotWithShape="1">
-          <a:gsLst>
-            <a:gs pos="0">
-              <a:schemeClr val="phClr">
-                <a:tint val="80000"/>
-                <a:satMod val="300000"/>
-              </a:schemeClr>
-            </a:gs>
-            <a:gs pos="100000">
-              <a:schemeClr val="phClr">
-                <a:shade val="30000"/>
-                <a:satMod val="200000"/>
-              </a:schemeClr>
-            </a:gs>
-          </a:gsLst>
-          <a:path path="circle">
-            <a:fillToRect l="50000" t="50000" r="50000" b="50000"/>
-          </a:path>
-        </a:gradFill>
-      </a:bgFillStyleLst>
-    </a:fmtScheme>
-  </a:themeElements>
-</a:theme>
 </file>
--- a/ExamSystemMigration.pptx
+++ b/ExamSystemMigration.pptx
@@ -76,6 +76,7 @@
     <p:sldId id="321" r:id="rId72"/>
     <p:sldId id="322" r:id="rId73"/>
     <p:sldId id="323" r:id="rId74"/>
+    <p:sldId id="324" r:id="rId75"/>
   </p:sldIdLst>
   <p:sldSz cy="5143500" cx="9144000"/>
   <p:notesSz cx="6858000" cy="9144000"/>
@@ -5623,7 +5624,7 @@
       </p:grpSpPr>
       <p:sp>
         <p:nvSpPr>
-          <p:cNvPr id="376" name="Google Shape;376;g3528459b410_0_300:notes"/>
+          <p:cNvPr id="376" name="Google Shape;376;g3528459b410_0_305:notes"/>
           <p:cNvSpPr/>
           <p:nvPr>
             <p:ph idx="2" type="sldImg"/>
@@ -5658,7 +5659,7 @@
       </p:sp>
       <p:sp>
         <p:nvSpPr>
-          <p:cNvPr id="377" name="Google Shape;377;g3528459b410_0_300:notes"/>
+          <p:cNvPr id="377" name="Google Shape;377;g3528459b410_0_305:notes"/>
           <p:cNvSpPr txBox="1"/>
           <p:nvPr>
             <p:ph idx="1" type="body"/>
@@ -5722,7 +5723,7 @@
       </p:grpSpPr>
       <p:sp>
         <p:nvSpPr>
-          <p:cNvPr id="382" name="Google Shape;382;g3528459b410_0_305:notes"/>
+          <p:cNvPr id="382" name="Google Shape;382;g3528459b410_0_300:notes"/>
           <p:cNvSpPr/>
           <p:nvPr>
             <p:ph idx="2" type="sldImg"/>
@@ -5757,7 +5758,7 @@
       </p:sp>
       <p:sp>
         <p:nvSpPr>
-          <p:cNvPr id="383" name="Google Shape;383;g3528459b410_0_305:notes"/>
+          <p:cNvPr id="383" name="Google Shape;383;g3528459b410_0_300:notes"/>
           <p:cNvSpPr txBox="1"/>
           <p:nvPr>
             <p:ph idx="1" type="body"/>
@@ -7144,6 +7145,105 @@
       <p:sp>
         <p:nvSpPr>
           <p:cNvPr id="461" name="Google Shape;461;g3528459b410_0_359:notes"/>
+          <p:cNvSpPr txBox="1"/>
+          <p:nvPr>
+            <p:ph idx="1" type="body"/>
+          </p:nvPr>
+        </p:nvSpPr>
+        <p:spPr>
+          <a:xfrm>
+            <a:off x="685800" y="4343400"/>
+            <a:ext cx="5486400" cy="4114800"/>
+          </a:xfrm>
+          <a:prstGeom prst="rect">
+            <a:avLst/>
+          </a:prstGeom>
+        </p:spPr>
+        <p:txBody>
+          <a:bodyPr anchorCtr="0" anchor="t" bIns="91425" lIns="91425" spcFirstLastPara="1" rIns="91425" wrap="square" tIns="91425">
+            <a:noAutofit/>
+          </a:bodyPr>
+          <a:lstStyle/>
+          <a:p>
+            <a:pPr indent="0" lvl="0" marL="0" rtl="0" algn="l">
+              <a:spcBef>
+                <a:spcPts val="0"/>
+              </a:spcBef>
+              <a:spcAft>
+                <a:spcPts val="0"/>
+              </a:spcAft>
+              <a:buNone/>
+            </a:pPr>
+            <a:r>
+              <a:t/>
+            </a:r>
+            <a:endParaRPr/>
+          </a:p>
+        </p:txBody>
+      </p:sp>
+    </p:spTree>
+  </p:cSld>
+  <p:clrMapOvr>
+    <a:masterClrMapping/>
+  </p:clrMapOvr>
+</p:notes>
+</file>
+
+<file path=ppt/notesSlides/notesSlide69.xml><?xml version="1.0" encoding="utf-8"?>
+<p:notes xmlns:a="http://schemas.openxmlformats.org/drawingml/2006/main" xmlns:r="http://schemas.openxmlformats.org/officeDocument/2006/relationships" xmlns:mc="http://schemas.openxmlformats.org/markup-compatibility/2006" xmlns:mv="urn:schemas-microsoft-com:mac:vml" xmlns:p="http://schemas.openxmlformats.org/presentationml/2006/main" xmlns:c="http://schemas.openxmlformats.org/drawingml/2006/chart" xmlns:dgm="http://schemas.openxmlformats.org/drawingml/2006/diagram" xmlns:o="urn:schemas-microsoft-com:office:office" xmlns:v="urn:schemas-microsoft-com:vml" xmlns:pvml="urn:schemas-microsoft-com:office:powerpoint" xmlns:com="http://schemas.openxmlformats.org/drawingml/2006/compatibility" xmlns:p14="http://schemas.microsoft.com/office/powerpoint/2010/main" xmlns:p15="http://schemas.microsoft.com/office/powerpoint/2012/main" xmlns:ahyp="http://schemas.microsoft.com/office/drawing/2018/hyperlinkcolor" showMasterPhAnim="0" showMasterSp="0">
+  <p:cSld>
+    <p:spTree>
+      <p:nvGrpSpPr>
+        <p:cNvPr id="465" name="Shape 465"/>
+        <p:cNvGrpSpPr/>
+        <p:nvPr/>
+      </p:nvGrpSpPr>
+      <p:grpSpPr>
+        <a:xfrm>
+          <a:off x="0" y="0"/>
+          <a:ext cx="0" cy="0"/>
+          <a:chOff x="0" y="0"/>
+          <a:chExt cx="0" cy="0"/>
+        </a:xfrm>
+      </p:grpSpPr>
+      <p:sp>
+        <p:nvSpPr>
+          <p:cNvPr id="466" name="Google Shape;466;g34fcb8345e7_0_0:notes"/>
+          <p:cNvSpPr/>
+          <p:nvPr>
+            <p:ph idx="2" type="sldImg"/>
+          </p:nvPr>
+        </p:nvSpPr>
+        <p:spPr>
+          <a:xfrm>
+            <a:off x="381300" y="685800"/>
+            <a:ext cx="6096000" cy="3429000"/>
+          </a:xfrm>
+          <a:custGeom>
+            <a:rect b="b" l="l" r="r" t="t"/>
+            <a:pathLst>
+              <a:path extrusionOk="0" h="120000" w="120000">
+                <a:moveTo>
+                  <a:pt x="0" y="0"/>
+                </a:moveTo>
+                <a:lnTo>
+                  <a:pt x="120000" y="0"/>
+                </a:lnTo>
+                <a:lnTo>
+                  <a:pt x="120000" y="120000"/>
+                </a:lnTo>
+                <a:lnTo>
+                  <a:pt x="0" y="120000"/>
+                </a:lnTo>
+                <a:close/>
+              </a:path>
+            </a:pathLst>
+          </a:custGeom>
+        </p:spPr>
+      </p:sp>
+      <p:sp>
+        <p:nvSpPr>
+          <p:cNvPr id="467" name="Google Shape;467;g34fcb8345e7_0_0:notes"/>
           <p:cNvSpPr txBox="1"/>
           <p:nvPr>
             <p:ph idx="1" type="body"/>
@@ -12378,7 +12478,7 @@
             <a:tbl>
               <a:tblPr>
                 <a:noFill/>
-                <a:tableStyleId>{FDC3F317-AA1E-4E33-91A0-9DE6078A7696}</a:tableStyleId>
+                <a:tableStyleId>{0693D3E1-0061-4188-AB45-018CE95DF4DF}</a:tableStyleId>
               </a:tblPr>
               <a:tblGrid>
                 <a:gridCol w="3893000"/>
@@ -21526,7 +21626,7 @@
             <a:tbl>
               <a:tblPr>
                 <a:noFill/>
-                <a:tableStyleId>{FDC3F317-AA1E-4E33-91A0-9DE6078A7696}</a:tableStyleId>
+                <a:tableStyleId>{0693D3E1-0061-4188-AB45-018CE95DF4DF}</a:tableStyleId>
               </a:tblPr>
               <a:tblGrid>
                 <a:gridCol w="2364775"/>
@@ -22022,7 +22122,7 @@
             <a:tbl>
               <a:tblPr>
                 <a:noFill/>
-                <a:tableStyleId>{FDC3F317-AA1E-4E33-91A0-9DE6078A7696}</a:tableStyleId>
+                <a:tableStyleId>{0693D3E1-0061-4188-AB45-018CE95DF4DF}</a:tableStyleId>
               </a:tblPr>
               <a:tblGrid>
                 <a:gridCol w="2203600"/>
@@ -22872,7 +22972,7 @@
             <a:tbl>
               <a:tblPr>
                 <a:noFill/>
-                <a:tableStyleId>{FDC3F317-AA1E-4E33-91A0-9DE6078A7696}</a:tableStyleId>
+                <a:tableStyleId>{0693D3E1-0061-4188-AB45-018CE95DF4DF}</a:tableStyleId>
               </a:tblPr>
               <a:tblGrid>
                 <a:gridCol w="1943525"/>
@@ -23841,7 +23941,7 @@
             <a:tbl>
               <a:tblPr>
                 <a:noFill/>
-                <a:tableStyleId>{FDC3F317-AA1E-4E33-91A0-9DE6078A7696}</a:tableStyleId>
+                <a:tableStyleId>{0693D3E1-0061-4188-AB45-018CE95DF4DF}</a:tableStyleId>
               </a:tblPr>
               <a:tblGrid>
                 <a:gridCol w="1905725"/>
@@ -26528,13 +26628,46 @@
                 <a:spcPts val="1200"/>
               </a:spcBef>
               <a:spcAft>
-                <a:spcPts val="1200"/>
+                <a:spcPts val="0"/>
               </a:spcAft>
               <a:buNone/>
             </a:pPr>
             <a:r>
               <a:rPr lang="en"/>
               <a:t>NotificationService (email/SMS)</a:t>
+            </a:r>
+            <a:endParaRPr/>
+          </a:p>
+          <a:p>
+            <a:pPr indent="0" lvl="0" marL="0" rtl="0" algn="l">
+              <a:spcBef>
+                <a:spcPts val="1200"/>
+              </a:spcBef>
+              <a:spcAft>
+                <a:spcPts val="0"/>
+              </a:spcAft>
+              <a:buNone/>
+            </a:pPr>
+            <a:r>
+              <a:rPr lang="en"/>
+              <a:t>12. Build a React App Shell</a:t>
+            </a:r>
+            <a:endParaRPr/>
+          </a:p>
+          <a:p>
+            <a:pPr indent="-342900" lvl="0" marL="457200" rtl="0" algn="l">
+              <a:spcBef>
+                <a:spcPts val="1200"/>
+              </a:spcBef>
+              <a:spcAft>
+                <a:spcPts val="0"/>
+              </a:spcAft>
+              <a:buSzPts val="1800"/>
+              <a:buChar char="●"/>
+            </a:pPr>
+            <a:r>
+              <a:rPr lang="en"/>
+              <a:t>A container (single-page React app) responsible for routing, layout, navigation, and user session</a:t>
             </a:r>
             <a:endParaRPr/>
           </a:p>
@@ -27225,7 +27358,7 @@
             </a:r>
             <a:r>
               <a:rPr b="1" lang="en"/>
-              <a:t>Real-time Data Synchronization (CDC with Debezium)</a:t>
+              <a:t>Real-time Data Synchronization (Change Data Capture with Debezium)</a:t>
             </a:r>
             <a:endParaRPr b="1"/>
           </a:p>
@@ -27549,21 +27682,6 @@
             </a:r>
             <a:endParaRPr/>
           </a:p>
-          <a:p>
-            <a:pPr indent="0" lvl="0" marL="0" rtl="0" algn="l">
-              <a:spcBef>
-                <a:spcPts val="0"/>
-              </a:spcBef>
-              <a:spcAft>
-                <a:spcPts val="0"/>
-              </a:spcAft>
-              <a:buNone/>
-            </a:pPr>
-            <a:r>
-              <a:t/>
-            </a:r>
-            <a:endParaRPr/>
-          </a:p>
         </p:txBody>
       </p:sp>
       <p:sp>
@@ -27585,7 +27703,7 @@
         </p:spPr>
         <p:txBody>
           <a:bodyPr anchorCtr="0" anchor="t" bIns="91425" lIns="91425" spcFirstLastPara="1" rIns="91425" wrap="square" tIns="91425">
-            <a:normAutofit/>
+            <a:normAutofit fontScale="47500" lnSpcReduction="20000"/>
           </a:bodyPr>
           <a:lstStyle/>
           <a:p>
@@ -27599,85 +27717,147 @@
               <a:buClr>
                 <a:schemeClr val="dk1"/>
               </a:buClr>
-              <a:buSzPts val="1100"/>
+              <a:buSzPct val="61111"/>
               <a:buFont typeface="Arial"/>
               <a:buNone/>
             </a:pPr>
             <a:r>
-              <a:rPr lang="en"/>
-              <a:t>3</a:t>
-            </a:r>
-            <a:r>
-              <a:rPr lang="en"/>
-              <a:t>. Stateful/Core Services to Migrate:</a:t>
-            </a:r>
-            <a:endParaRPr/>
-          </a:p>
-          <a:p>
-            <a:pPr indent="-342900" lvl="0" marL="457200" rtl="0" algn="l">
-              <a:spcBef>
-                <a:spcPts val="1200"/>
-              </a:spcBef>
-              <a:spcAft>
-                <a:spcPts val="0"/>
-              </a:spcAft>
-              <a:buSzPts val="1800"/>
+              <a:rPr b="1" lang="en"/>
+              <a:t>3. Data Migration</a:t>
+            </a:r>
+            <a:endParaRPr b="1"/>
+          </a:p>
+          <a:p>
+            <a:pPr indent="-282892" lvl="0" marL="457200" rtl="0" algn="l">
+              <a:spcBef>
+                <a:spcPts val="1200"/>
+              </a:spcBef>
+              <a:spcAft>
+                <a:spcPts val="0"/>
+              </a:spcAft>
+              <a:buSzPct val="100000"/>
               <a:buChar char="●"/>
             </a:pPr>
             <a:r>
               <a:rPr lang="en"/>
-              <a:t>ExamDeliveryService (real-time session handling)</a:t>
-            </a:r>
-            <a:endParaRPr/>
-          </a:p>
-          <a:p>
-            <a:pPr indent="-342900" lvl="0" marL="457200" rtl="0" algn="l">
-              <a:spcBef>
-                <a:spcPts val="0"/>
-              </a:spcBef>
-              <a:spcAft>
-                <a:spcPts val="0"/>
-              </a:spcAft>
-              <a:buSzPts val="1800"/>
+              <a:t>Data Dump or Export: Use a one-time data export to migrate existing data from legacy database to microservices databases.</a:t>
+            </a:r>
+            <a:endParaRPr/>
+          </a:p>
+          <a:p>
+            <a:pPr indent="-270827" lvl="1" marL="914400" rtl="0" algn="l">
+              <a:spcBef>
+                <a:spcPts val="0"/>
+              </a:spcBef>
+              <a:spcAft>
+                <a:spcPts val="0"/>
+              </a:spcAft>
+              <a:buSzPct val="100000"/>
+              <a:buChar char="○"/>
+            </a:pPr>
+            <a:r>
+              <a:rPr lang="en"/>
+              <a:t>This can be done via tools like pg_dump for PostgreSQL.</a:t>
+            </a:r>
+            <a:endParaRPr/>
+          </a:p>
+          <a:p>
+            <a:pPr indent="0" lvl="0" marL="0" rtl="0" algn="l">
+              <a:spcBef>
+                <a:spcPts val="1200"/>
+              </a:spcBef>
+              <a:spcAft>
+                <a:spcPts val="0"/>
+              </a:spcAft>
+              <a:buNone/>
+            </a:pPr>
+            <a:r>
+              <a:rPr b="1" lang="en"/>
+              <a:t>Sync Data with CDC</a:t>
+            </a:r>
+            <a:endParaRPr b="1"/>
+          </a:p>
+          <a:p>
+            <a:pPr indent="-282892" lvl="0" marL="457200" rtl="0" algn="l">
+              <a:spcBef>
+                <a:spcPts val="1200"/>
+              </a:spcBef>
+              <a:spcAft>
+                <a:spcPts val="0"/>
+              </a:spcAft>
+              <a:buSzPct val="100000"/>
               <a:buChar char="●"/>
             </a:pPr>
             <a:r>
               <a:rPr lang="en"/>
-              <a:t>SubmissionService (answer capture + integrity)</a:t>
-            </a:r>
-            <a:endParaRPr/>
-          </a:p>
-          <a:p>
-            <a:pPr indent="-342900" lvl="0" marL="457200" rtl="0" algn="l">
-              <a:spcBef>
-                <a:spcPts val="0"/>
-              </a:spcBef>
-              <a:spcAft>
-                <a:spcPts val="0"/>
-              </a:spcAft>
-              <a:buSzPts val="1800"/>
+              <a:t>As you migrate the legacy data into the microservices databases, Debezium continues to stream changes, ensuring that data between systems stays in sync.</a:t>
+            </a:r>
+            <a:endParaRPr/>
+          </a:p>
+          <a:p>
+            <a:pPr indent="-282892" lvl="0" marL="457200" rtl="0" algn="l">
+              <a:spcBef>
+                <a:spcPts val="0"/>
+              </a:spcBef>
+              <a:spcAft>
+                <a:spcPts val="0"/>
+              </a:spcAft>
+              <a:buSzPct val="100000"/>
               <a:buChar char="●"/>
             </a:pPr>
             <a:r>
               <a:rPr lang="en"/>
-              <a:t>AutoMarkingService (invoke rules)</a:t>
-            </a:r>
-            <a:endParaRPr/>
-          </a:p>
-          <a:p>
-            <a:pPr indent="-342900" lvl="0" marL="457200" rtl="0" algn="l">
-              <a:spcBef>
-                <a:spcPts val="0"/>
-              </a:spcBef>
-              <a:spcAft>
-                <a:spcPts val="0"/>
-              </a:spcAft>
-              <a:buSzPts val="1800"/>
+              <a:t>Sync Complete: When the majority of data is migrated and Debezium has captured most changes, you can proceed to cutover.</a:t>
+            </a:r>
+            <a:endParaRPr/>
+          </a:p>
+          <a:p>
+            <a:pPr indent="0" lvl="0" marL="0" rtl="0" algn="l">
+              <a:spcBef>
+                <a:spcPts val="1200"/>
+              </a:spcBef>
+              <a:spcAft>
+                <a:spcPts val="0"/>
+              </a:spcAft>
+              <a:buNone/>
+            </a:pPr>
+            <a:r>
+              <a:rPr b="1" lang="en"/>
+              <a:t>Cutover to Microservices Databases</a:t>
+            </a:r>
+            <a:endParaRPr b="1"/>
+          </a:p>
+          <a:p>
+            <a:pPr indent="-282892" lvl="0" marL="457200" rtl="0" algn="l">
+              <a:spcBef>
+                <a:spcPts val="1200"/>
+              </a:spcBef>
+              <a:spcAft>
+                <a:spcPts val="0"/>
+              </a:spcAft>
+              <a:buSzPct val="100000"/>
               <a:buChar char="●"/>
             </a:pPr>
             <a:r>
               <a:rPr lang="en"/>
-              <a:t>MarkingService (manual marking + moderation tools)</a:t>
+              <a:t>Stop Writes to Legacy DB: Once the majority of data is migrated and synchronized, disable writes to the legacy database.</a:t>
+            </a:r>
+            <a:endParaRPr/>
+          </a:p>
+          <a:p>
+            <a:pPr indent="-282892" lvl="0" marL="457200" rtl="0" algn="l">
+              <a:spcBef>
+                <a:spcPts val="0"/>
+              </a:spcBef>
+              <a:spcAft>
+                <a:spcPts val="0"/>
+              </a:spcAft>
+              <a:buSzPct val="100000"/>
+              <a:buChar char="●"/>
+            </a:pPr>
+            <a:r>
+              <a:rPr lang="en"/>
+              <a:t>Reconfigure Application: Update application services to interact with the new microservices databases, ensuring no further interactions with the legacy system.</a:t>
             </a:r>
             <a:endParaRPr/>
           </a:p>
@@ -27692,8 +27872,42 @@
               <a:buNone/>
             </a:pPr>
             <a:r>
-              <a:rPr lang="en"/>
-              <a:t>4. Parallel run critical paths with synthetic/test traffic.</a:t>
+              <a:rPr b="1" lang="en"/>
+              <a:t>Monitor Data Consistency</a:t>
+            </a:r>
+            <a:endParaRPr b="1"/>
+          </a:p>
+          <a:p>
+            <a:pPr indent="-282892" lvl="0" marL="457200" rtl="0" algn="l">
+              <a:spcBef>
+                <a:spcPts val="1200"/>
+              </a:spcBef>
+              <a:spcAft>
+                <a:spcPts val="0"/>
+              </a:spcAft>
+              <a:buSzPct val="100000"/>
+              <a:buChar char="●"/>
+            </a:pPr>
+            <a:r>
+              <a:rPr lang="en"/>
+              <a:t>Use Kafka metrics and observability tools (e.g., Prometheus, Grafana) to monitor the health of your CDC pipeline and ensure data consistency between legacy and microservices databases.</a:t>
+            </a:r>
+            <a:endParaRPr/>
+          </a:p>
+          <a:p>
+            <a:pPr indent="-282892" lvl="0" marL="457200" rtl="0" algn="l">
+              <a:spcBef>
+                <a:spcPts val="0"/>
+              </a:spcBef>
+              <a:spcAft>
+                <a:spcPts val="0"/>
+              </a:spcAft>
+              <a:buSzPct val="100000"/>
+              <a:buChar char="●"/>
+            </a:pPr>
+            <a:r>
+              <a:rPr lang="en"/>
+              <a:t>Set up alerts in case of discrepancies (e.g., missed Kafka events, lag in Debezium stream).</a:t>
             </a:r>
             <a:endParaRPr/>
           </a:p>
@@ -27703,12 +27917,30 @@
                 <a:spcPts val="1200"/>
               </a:spcBef>
               <a:spcAft>
-                <a:spcPts val="1200"/>
-              </a:spcAft>
-              <a:buNone/>
-            </a:pPr>
-            <a:r>
-              <a:t/>
+                <a:spcPts val="0"/>
+              </a:spcAft>
+              <a:buNone/>
+            </a:pPr>
+            <a:r>
+              <a:rPr b="1" lang="en"/>
+              <a:t>Rollback Strategy</a:t>
+            </a:r>
+            <a:endParaRPr b="1"/>
+          </a:p>
+          <a:p>
+            <a:pPr indent="-282892" lvl="0" marL="457200" rtl="0" algn="l">
+              <a:spcBef>
+                <a:spcPts val="1200"/>
+              </a:spcBef>
+              <a:spcAft>
+                <a:spcPts val="0"/>
+              </a:spcAft>
+              <a:buSzPct val="100000"/>
+              <a:buChar char="●"/>
+            </a:pPr>
+            <a:r>
+              <a:rPr lang="en"/>
+              <a:t>If any issues arise, use Flyway's rollback feature to undo schema changes, or Debezium's CDC to capture missed changes or adjust data in the new system.</a:t>
             </a:r>
             <a:endParaRPr/>
           </a:p>
@@ -27782,6 +28014,21 @@
             </a:r>
             <a:endParaRPr/>
           </a:p>
+          <a:p>
+            <a:pPr indent="0" lvl="0" marL="0" rtl="0" algn="l">
+              <a:spcBef>
+                <a:spcPts val="0"/>
+              </a:spcBef>
+              <a:spcAft>
+                <a:spcPts val="0"/>
+              </a:spcAft>
+              <a:buNone/>
+            </a:pPr>
+            <a:r>
+              <a:t/>
+            </a:r>
+            <a:endParaRPr/>
+          </a:p>
         </p:txBody>
       </p:sp>
       <p:sp>
@@ -27803,7 +28050,7 @@
         </p:spPr>
         <p:txBody>
           <a:bodyPr anchorCtr="0" anchor="t" bIns="91425" lIns="91425" spcFirstLastPara="1" rIns="91425" wrap="square" tIns="91425">
-            <a:normAutofit fontScale="47500" lnSpcReduction="20000"/>
+            <a:normAutofit/>
           </a:bodyPr>
           <a:lstStyle/>
           <a:p>
@@ -27817,47 +28064,85 @@
               <a:buClr>
                 <a:schemeClr val="dk1"/>
               </a:buClr>
-              <a:buSzPct val="61111"/>
+              <a:buSzPts val="1100"/>
               <a:buFont typeface="Arial"/>
               <a:buNone/>
             </a:pPr>
             <a:r>
-              <a:rPr b="1" lang="en"/>
-              <a:t>5. Data Migration</a:t>
-            </a:r>
-            <a:endParaRPr b="1"/>
-          </a:p>
-          <a:p>
-            <a:pPr indent="-282892" lvl="0" marL="457200" rtl="0" algn="l">
-              <a:spcBef>
-                <a:spcPts val="1200"/>
-              </a:spcBef>
-              <a:spcAft>
-                <a:spcPts val="0"/>
-              </a:spcAft>
-              <a:buSzPct val="100000"/>
+              <a:rPr lang="en"/>
+              <a:t>4</a:t>
+            </a:r>
+            <a:r>
+              <a:rPr lang="en"/>
+              <a:t>. Stateful/Core Services to Migrate:</a:t>
+            </a:r>
+            <a:endParaRPr/>
+          </a:p>
+          <a:p>
+            <a:pPr indent="-342900" lvl="0" marL="457200" rtl="0" algn="l">
+              <a:spcBef>
+                <a:spcPts val="1200"/>
+              </a:spcBef>
+              <a:spcAft>
+                <a:spcPts val="0"/>
+              </a:spcAft>
+              <a:buSzPts val="1800"/>
               <a:buChar char="●"/>
             </a:pPr>
             <a:r>
               <a:rPr lang="en"/>
-              <a:t>Data Dump or Export: Use a one-time data export to migrate existing data from legacy database to microservices databases.</a:t>
-            </a:r>
-            <a:endParaRPr/>
-          </a:p>
-          <a:p>
-            <a:pPr indent="-270827" lvl="1" marL="914400" rtl="0" algn="l">
-              <a:spcBef>
-                <a:spcPts val="0"/>
-              </a:spcBef>
-              <a:spcAft>
-                <a:spcPts val="0"/>
-              </a:spcAft>
-              <a:buSzPct val="100000"/>
-              <a:buChar char="○"/>
-            </a:pPr>
-            <a:r>
-              <a:rPr lang="en"/>
-              <a:t>This can be done via tools like pg_dump for PostgreSQL.</a:t>
+              <a:t>ExamDeliveryService (real-time session handling)</a:t>
+            </a:r>
+            <a:endParaRPr/>
+          </a:p>
+          <a:p>
+            <a:pPr indent="-342900" lvl="0" marL="457200" rtl="0" algn="l">
+              <a:spcBef>
+                <a:spcPts val="0"/>
+              </a:spcBef>
+              <a:spcAft>
+                <a:spcPts val="0"/>
+              </a:spcAft>
+              <a:buSzPts val="1800"/>
+              <a:buChar char="●"/>
+            </a:pPr>
+            <a:r>
+              <a:rPr lang="en"/>
+              <a:t>SubmissionService (answer capture + integrity)</a:t>
+            </a:r>
+            <a:endParaRPr/>
+          </a:p>
+          <a:p>
+            <a:pPr indent="-342900" lvl="0" marL="457200" rtl="0" algn="l">
+              <a:spcBef>
+                <a:spcPts val="0"/>
+              </a:spcBef>
+              <a:spcAft>
+                <a:spcPts val="0"/>
+              </a:spcAft>
+              <a:buSzPts val="1800"/>
+              <a:buChar char="●"/>
+            </a:pPr>
+            <a:r>
+              <a:rPr lang="en"/>
+              <a:t>AutoMarkingService (invoke rules)</a:t>
+            </a:r>
+            <a:endParaRPr/>
+          </a:p>
+          <a:p>
+            <a:pPr indent="-342900" lvl="0" marL="457200" rtl="0" algn="l">
+              <a:spcBef>
+                <a:spcPts val="0"/>
+              </a:spcBef>
+              <a:spcAft>
+                <a:spcPts val="0"/>
+              </a:spcAft>
+              <a:buSzPts val="1800"/>
+              <a:buChar char="●"/>
+            </a:pPr>
+            <a:r>
+              <a:rPr lang="en"/>
+              <a:t>MarkingService (manual marking + moderation tools)</a:t>
             </a:r>
             <a:endParaRPr/>
           </a:p>
@@ -27872,42 +28157,8 @@
               <a:buNone/>
             </a:pPr>
             <a:r>
-              <a:rPr b="1" lang="en"/>
-              <a:t>Sync Data with CDC</a:t>
-            </a:r>
-            <a:endParaRPr b="1"/>
-          </a:p>
-          <a:p>
-            <a:pPr indent="-282892" lvl="0" marL="457200" rtl="0" algn="l">
-              <a:spcBef>
-                <a:spcPts val="1200"/>
-              </a:spcBef>
-              <a:spcAft>
-                <a:spcPts val="0"/>
-              </a:spcAft>
-              <a:buSzPct val="100000"/>
-              <a:buChar char="●"/>
-            </a:pPr>
-            <a:r>
-              <a:rPr lang="en"/>
-              <a:t>As you migrate the legacy data into the microservices databases, Debezium continues to stream changes, ensuring that data between systems stays in sync.</a:t>
-            </a:r>
-            <a:endParaRPr/>
-          </a:p>
-          <a:p>
-            <a:pPr indent="-282892" lvl="0" marL="457200" rtl="0" algn="l">
-              <a:spcBef>
-                <a:spcPts val="0"/>
-              </a:spcBef>
-              <a:spcAft>
-                <a:spcPts val="0"/>
-              </a:spcAft>
-              <a:buSzPct val="100000"/>
-              <a:buChar char="●"/>
-            </a:pPr>
-            <a:r>
-              <a:rPr lang="en"/>
-              <a:t>Sync Complete: When the majority of data is migrated and Debezium has captured most changes, you can proceed to cutover.</a:t>
+              <a:rPr lang="en"/>
+              <a:t>5. Parallel run critical paths with synthetic/test traffic.</a:t>
             </a:r>
             <a:endParaRPr/>
           </a:p>
@@ -27917,130 +28168,12 @@
                 <a:spcPts val="1200"/>
               </a:spcBef>
               <a:spcAft>
-                <a:spcPts val="0"/>
-              </a:spcAft>
-              <a:buNone/>
-            </a:pPr>
-            <a:r>
-              <a:rPr b="1" lang="en"/>
-              <a:t>Cutover to Microservices Databases</a:t>
-            </a:r>
-            <a:endParaRPr b="1"/>
-          </a:p>
-          <a:p>
-            <a:pPr indent="-282892" lvl="0" marL="457200" rtl="0" algn="l">
-              <a:spcBef>
-                <a:spcPts val="1200"/>
-              </a:spcBef>
-              <a:spcAft>
-                <a:spcPts val="0"/>
-              </a:spcAft>
-              <a:buSzPct val="100000"/>
-              <a:buChar char="●"/>
-            </a:pPr>
-            <a:r>
-              <a:rPr lang="en"/>
-              <a:t>Stop Writes to Legacy DB: Once the majority of data is migrated and synchronized, disable writes to the legacy database.</a:t>
-            </a:r>
-            <a:endParaRPr/>
-          </a:p>
-          <a:p>
-            <a:pPr indent="-282892" lvl="0" marL="457200" rtl="0" algn="l">
-              <a:spcBef>
-                <a:spcPts val="0"/>
-              </a:spcBef>
-              <a:spcAft>
-                <a:spcPts val="0"/>
-              </a:spcAft>
-              <a:buSzPct val="100000"/>
-              <a:buChar char="●"/>
-            </a:pPr>
-            <a:r>
-              <a:rPr lang="en"/>
-              <a:t>Reconfigure Application: Update application services to interact with the new microservices databases, ensuring no further interactions with the legacy system.</a:t>
-            </a:r>
-            <a:endParaRPr/>
-          </a:p>
-          <a:p>
-            <a:pPr indent="0" lvl="0" marL="0" rtl="0" algn="l">
-              <a:spcBef>
-                <a:spcPts val="1200"/>
-              </a:spcBef>
-              <a:spcAft>
-                <a:spcPts val="0"/>
-              </a:spcAft>
-              <a:buNone/>
-            </a:pPr>
-            <a:r>
-              <a:rPr b="1" lang="en"/>
-              <a:t>Monitor Data Consistency</a:t>
-            </a:r>
-            <a:endParaRPr b="1"/>
-          </a:p>
-          <a:p>
-            <a:pPr indent="-282892" lvl="0" marL="457200" rtl="0" algn="l">
-              <a:spcBef>
-                <a:spcPts val="1200"/>
-              </a:spcBef>
-              <a:spcAft>
-                <a:spcPts val="0"/>
-              </a:spcAft>
-              <a:buSzPct val="100000"/>
-              <a:buChar char="●"/>
-            </a:pPr>
-            <a:r>
-              <a:rPr lang="en"/>
-              <a:t>Use Kafka metrics and observability tools (e.g., Prometheus, Grafana) to monitor the health of your CDC pipeline and ensure data consistency between legacy and microservices databases.</a:t>
-            </a:r>
-            <a:endParaRPr/>
-          </a:p>
-          <a:p>
-            <a:pPr indent="-282892" lvl="0" marL="457200" rtl="0" algn="l">
-              <a:spcBef>
-                <a:spcPts val="0"/>
-              </a:spcBef>
-              <a:spcAft>
-                <a:spcPts val="0"/>
-              </a:spcAft>
-              <a:buSzPct val="100000"/>
-              <a:buChar char="●"/>
-            </a:pPr>
-            <a:r>
-              <a:rPr lang="en"/>
-              <a:t>Set up alerts in case of discrepancies (e.g., missed Kafka events, lag in Debezium stream).</a:t>
-            </a:r>
-            <a:endParaRPr/>
-          </a:p>
-          <a:p>
-            <a:pPr indent="0" lvl="0" marL="0" rtl="0" algn="l">
-              <a:spcBef>
-                <a:spcPts val="1200"/>
-              </a:spcBef>
-              <a:spcAft>
-                <a:spcPts val="0"/>
-              </a:spcAft>
-              <a:buNone/>
-            </a:pPr>
-            <a:r>
-              <a:rPr b="1" lang="en"/>
-              <a:t>Rollback Strategy</a:t>
-            </a:r>
-            <a:endParaRPr b="1"/>
-          </a:p>
-          <a:p>
-            <a:pPr indent="-282892" lvl="0" marL="457200" rtl="0" algn="l">
-              <a:spcBef>
-                <a:spcPts val="1200"/>
-              </a:spcBef>
-              <a:spcAft>
-                <a:spcPts val="0"/>
-              </a:spcAft>
-              <a:buSzPct val="100000"/>
-              <a:buChar char="●"/>
-            </a:pPr>
-            <a:r>
-              <a:rPr lang="en"/>
-              <a:t>If any issues arise, use Flyway's rollback feature to undo schema changes, or Debezium's CDC to capture missed changes or adjust data in the new system.</a:t>
+                <a:spcPts val="1200"/>
+              </a:spcAft>
+              <a:buNone/>
+            </a:pPr>
+            <a:r>
+              <a:t/>
             </a:r>
             <a:endParaRPr/>
           </a:p>
@@ -32883,6 +33016,144 @@
 </p:sld>
 </file>
 
+<file path=ppt/slides/slide69.xml><?xml version="1.0" encoding="utf-8"?>
+<p:sld xmlns:a="http://schemas.openxmlformats.org/drawingml/2006/main" xmlns:r="http://schemas.openxmlformats.org/officeDocument/2006/relationships" xmlns:mc="http://schemas.openxmlformats.org/markup-compatibility/2006" xmlns:mv="urn:schemas-microsoft-com:mac:vml" xmlns:p="http://schemas.openxmlformats.org/presentationml/2006/main" xmlns:c="http://schemas.openxmlformats.org/drawingml/2006/chart" xmlns:dgm="http://schemas.openxmlformats.org/drawingml/2006/diagram" xmlns:o="urn:schemas-microsoft-com:office:office" xmlns:v="urn:schemas-microsoft-com:vml" xmlns:pvml="urn:schemas-microsoft-com:office:powerpoint" xmlns:com="http://schemas.openxmlformats.org/drawingml/2006/compatibility" xmlns:p14="http://schemas.microsoft.com/office/powerpoint/2010/main" xmlns:p15="http://schemas.microsoft.com/office/powerpoint/2012/main" xmlns:ahyp="http://schemas.microsoft.com/office/drawing/2018/hyperlinkcolor">
+  <p:cSld>
+    <p:spTree>
+      <p:nvGrpSpPr>
+        <p:cNvPr id="468" name="Shape 468"/>
+        <p:cNvGrpSpPr/>
+        <p:nvPr/>
+      </p:nvGrpSpPr>
+      <p:grpSpPr>
+        <a:xfrm>
+          <a:off x="0" y="0"/>
+          <a:ext cx="0" cy="0"/>
+          <a:chOff x="0" y="0"/>
+          <a:chExt cx="0" cy="0"/>
+        </a:xfrm>
+      </p:grpSpPr>
+      <p:sp>
+        <p:nvSpPr>
+          <p:cNvPr id="469" name="Google Shape;469;p81"/>
+          <p:cNvSpPr txBox="1"/>
+          <p:nvPr>
+            <p:ph type="title"/>
+          </p:nvPr>
+        </p:nvSpPr>
+        <p:spPr>
+          <a:xfrm>
+            <a:off x="311700" y="445025"/>
+            <a:ext cx="8520600" cy="572700"/>
+          </a:xfrm>
+          <a:prstGeom prst="rect">
+            <a:avLst/>
+          </a:prstGeom>
+        </p:spPr>
+        <p:txBody>
+          <a:bodyPr anchorCtr="0" anchor="t" bIns="91425" lIns="91425" spcFirstLastPara="1" rIns="91425" wrap="square" tIns="91425">
+            <a:normAutofit fontScale="90000"/>
+          </a:bodyPr>
+          <a:lstStyle/>
+          <a:p>
+            <a:pPr indent="0" lvl="0" marL="2743200" rtl="0" algn="l">
+              <a:spcBef>
+                <a:spcPts val="0"/>
+              </a:spcBef>
+              <a:spcAft>
+                <a:spcPts val="0"/>
+              </a:spcAft>
+              <a:buNone/>
+            </a:pPr>
+            <a:r>
+              <a:t/>
+            </a:r>
+            <a:endParaRPr/>
+          </a:p>
+        </p:txBody>
+      </p:sp>
+      <p:sp>
+        <p:nvSpPr>
+          <p:cNvPr id="470" name="Google Shape;470;p81"/>
+          <p:cNvSpPr txBox="1"/>
+          <p:nvPr>
+            <p:ph idx="1" type="body"/>
+          </p:nvPr>
+        </p:nvSpPr>
+        <p:spPr>
+          <a:xfrm>
+            <a:off x="311700" y="1152475"/>
+            <a:ext cx="8520600" cy="3416400"/>
+          </a:xfrm>
+          <a:prstGeom prst="rect">
+            <a:avLst/>
+          </a:prstGeom>
+        </p:spPr>
+        <p:txBody>
+          <a:bodyPr anchorCtr="0" anchor="t" bIns="91425" lIns="91425" spcFirstLastPara="1" rIns="91425" wrap="square" tIns="91425">
+            <a:normAutofit/>
+          </a:bodyPr>
+          <a:lstStyle/>
+          <a:p>
+            <a:pPr indent="0" lvl="0" marL="0" rtl="0" algn="l">
+              <a:spcBef>
+                <a:spcPts val="0"/>
+              </a:spcBef>
+              <a:spcAft>
+                <a:spcPts val="0"/>
+              </a:spcAft>
+              <a:buNone/>
+            </a:pPr>
+            <a:r>
+              <a:t/>
+            </a:r>
+            <a:endParaRPr/>
+          </a:p>
+          <a:p>
+            <a:pPr indent="0" lvl="0" marL="0" rtl="0" algn="l">
+              <a:spcBef>
+                <a:spcPts val="1200"/>
+              </a:spcBef>
+              <a:spcAft>
+                <a:spcPts val="0"/>
+              </a:spcAft>
+              <a:buNone/>
+            </a:pPr>
+            <a:r>
+              <a:t/>
+            </a:r>
+            <a:endParaRPr/>
+          </a:p>
+          <a:p>
+            <a:pPr indent="0" lvl="0" marL="0" rtl="0" algn="l">
+              <a:spcBef>
+                <a:spcPts val="1200"/>
+              </a:spcBef>
+              <a:spcAft>
+                <a:spcPts val="1200"/>
+              </a:spcAft>
+              <a:buNone/>
+            </a:pPr>
+            <a:r>
+              <a:rPr lang="en"/>
+              <a:t>						      </a:t>
+            </a:r>
+            <a:r>
+              <a:rPr lang="en" sz="5100"/>
+              <a:t>Q&amp;A</a:t>
+            </a:r>
+            <a:endParaRPr sz="5100"/>
+          </a:p>
+        </p:txBody>
+      </p:sp>
+    </p:spTree>
+  </p:cSld>
+  <p:clrMapOvr>
+    <a:masterClrMapping/>
+  </p:clrMapOvr>
+</p:sld>
+</file>
+
 <file path=ppt/slides/slide7.xml><?xml version="1.0" encoding="utf-8"?>
 <p:sld xmlns:a="http://schemas.openxmlformats.org/drawingml/2006/main" xmlns:r="http://schemas.openxmlformats.org/officeDocument/2006/relationships" xmlns:mc="http://schemas.openxmlformats.org/markup-compatibility/2006" xmlns:mv="urn:schemas-microsoft-com:mac:vml" xmlns:p="http://schemas.openxmlformats.org/presentationml/2006/main" xmlns:c="http://schemas.openxmlformats.org/drawingml/2006/chart" xmlns:dgm="http://schemas.openxmlformats.org/drawingml/2006/diagram" xmlns:o="urn:schemas-microsoft-com:office:office" xmlns:v="urn:schemas-microsoft-com:vml" xmlns:pvml="urn:schemas-microsoft-com:office:powerpoint" xmlns:com="http://schemas.openxmlformats.org/drawingml/2006/compatibility" xmlns:p14="http://schemas.microsoft.com/office/powerpoint/2010/main" xmlns:p15="http://schemas.microsoft.com/office/powerpoint/2012/main" xmlns:ahyp="http://schemas.microsoft.com/office/drawing/2018/hyperlinkcolor">
   <p:cSld>
@@ -33449,7 +33720,7 @@
             <a:tbl>
               <a:tblPr>
                 <a:noFill/>
-                <a:tableStyleId>{FDC3F317-AA1E-4E33-91A0-9DE6078A7696}</a:tableStyleId>
+                <a:tableStyleId>{0693D3E1-0061-4188-AB45-018CE95DF4DF}</a:tableStyleId>
               </a:tblPr>
               <a:tblGrid>
                 <a:gridCol w="3619500"/>
